--- a/Async Await and their pitfalls.pptx
+++ b/Async Await and their pitfalls.pptx
@@ -8,10 +8,16 @@
     <p:sldId id="256" r:id="rId2"/>
     <p:sldId id="257" r:id="rId3"/>
     <p:sldId id="258" r:id="rId4"/>
-    <p:sldId id="260" r:id="rId5"/>
-    <p:sldId id="259" r:id="rId6"/>
-    <p:sldId id="261" r:id="rId7"/>
-    <p:sldId id="263" r:id="rId8"/>
+    <p:sldId id="264" r:id="rId5"/>
+    <p:sldId id="260" r:id="rId6"/>
+    <p:sldId id="265" r:id="rId7"/>
+    <p:sldId id="259" r:id="rId8"/>
+    <p:sldId id="266" r:id="rId9"/>
+    <p:sldId id="267" r:id="rId10"/>
+    <p:sldId id="261" r:id="rId11"/>
+    <p:sldId id="263" r:id="rId12"/>
+    <p:sldId id="268" r:id="rId13"/>
+    <p:sldId id="269" r:id="rId14"/>
   </p:sldIdLst>
   <p:sldSz cx="12192000" cy="6858000"/>
   <p:notesSz cx="6858000" cy="9144000"/>
@@ -621,7 +627,7 @@
             <a:fld id="{B61BEF0D-F0BB-DE4B-95CE-6DB70DBA9567}" type="datetimeFigureOut">
               <a:rPr lang="en-US" dirty="0"/>
               <a:pPr/>
-              <a:t>3/23/2017</a:t>
+              <a:t>3/27/2017</a:t>
             </a:fld>
             <a:endParaRPr lang="en-US" dirty="0"/>
           </a:p>
@@ -914,7 +920,7 @@
             <a:fld id="{B61BEF0D-F0BB-DE4B-95CE-6DB70DBA9567}" type="datetimeFigureOut">
               <a:rPr lang="en-US" dirty="0"/>
               <a:pPr/>
-              <a:t>3/23/2017</a:t>
+              <a:t>3/27/2017</a:t>
             </a:fld>
             <a:endParaRPr lang="en-US" dirty="0"/>
           </a:p>
@@ -1159,7 +1165,7 @@
             <a:fld id="{B61BEF0D-F0BB-DE4B-95CE-6DB70DBA9567}" type="datetimeFigureOut">
               <a:rPr lang="en-US" dirty="0"/>
               <a:pPr/>
-              <a:t>3/23/2017</a:t>
+              <a:t>3/27/2017</a:t>
             </a:fld>
             <a:endParaRPr lang="en-US" dirty="0"/>
           </a:p>
@@ -1696,7 +1702,7 @@
             <a:fld id="{B61BEF0D-F0BB-DE4B-95CE-6DB70DBA9567}" type="datetimeFigureOut">
               <a:rPr lang="en-US" dirty="0"/>
               <a:pPr/>
-              <a:t>3/23/2017</a:t>
+              <a:t>3/27/2017</a:t>
             </a:fld>
             <a:endParaRPr lang="en-US" dirty="0"/>
           </a:p>
@@ -1941,7 +1947,7 @@
             <a:fld id="{B61BEF0D-F0BB-DE4B-95CE-6DB70DBA9567}" type="datetimeFigureOut">
               <a:rPr lang="en-US" dirty="0"/>
               <a:pPr/>
-              <a:t>3/23/2017</a:t>
+              <a:t>3/27/2017</a:t>
             </a:fld>
             <a:endParaRPr lang="en-US" dirty="0"/>
           </a:p>
@@ -2470,7 +2476,7 @@
             <a:fld id="{B61BEF0D-F0BB-DE4B-95CE-6DB70DBA9567}" type="datetimeFigureOut">
               <a:rPr lang="en-US" dirty="0"/>
               <a:pPr/>
-              <a:t>3/23/2017</a:t>
+              <a:t>3/27/2017</a:t>
             </a:fld>
             <a:endParaRPr lang="en-US" dirty="0"/>
           </a:p>
@@ -2764,7 +2770,7 @@
             <a:fld id="{B61BEF0D-F0BB-DE4B-95CE-6DB70DBA9567}" type="datetimeFigureOut">
               <a:rPr lang="en-US" dirty="0"/>
               <a:pPr/>
-              <a:t>3/23/2017</a:t>
+              <a:t>3/27/2017</a:t>
             </a:fld>
             <a:endParaRPr lang="en-US" dirty="0"/>
           </a:p>
@@ -2935,7 +2941,7 @@
             <a:fld id="{B61BEF0D-F0BB-DE4B-95CE-6DB70DBA9567}" type="datetimeFigureOut">
               <a:rPr lang="en-US" dirty="0"/>
               <a:pPr/>
-              <a:t>3/23/2017</a:t>
+              <a:t>3/27/2017</a:t>
             </a:fld>
             <a:endParaRPr lang="en-US" dirty="0"/>
           </a:p>
@@ -3112,7 +3118,7 @@
             <a:fld id="{B61BEF0D-F0BB-DE4B-95CE-6DB70DBA9567}" type="datetimeFigureOut">
               <a:rPr lang="en-US" dirty="0"/>
               <a:pPr/>
-              <a:t>3/23/2017</a:t>
+              <a:t>3/27/2017</a:t>
             </a:fld>
             <a:endParaRPr lang="en-US" dirty="0"/>
           </a:p>
@@ -3320,7 +3326,7 @@
             <a:fld id="{B61BEF0D-F0BB-DE4B-95CE-6DB70DBA9567}" type="datetimeFigureOut">
               <a:rPr lang="en-US" dirty="0"/>
               <a:pPr/>
-              <a:t>3/23/2017</a:t>
+              <a:t>3/27/2017</a:t>
             </a:fld>
             <a:endParaRPr lang="en-US" dirty="0"/>
           </a:p>
@@ -3568,7 +3574,7 @@
             <a:fld id="{B61BEF0D-F0BB-DE4B-95CE-6DB70DBA9567}" type="datetimeFigureOut">
               <a:rPr lang="en-US" dirty="0"/>
               <a:pPr/>
-              <a:t>3/23/2017</a:t>
+              <a:t>3/27/2017</a:t>
             </a:fld>
             <a:endParaRPr lang="en-US" dirty="0"/>
           </a:p>
@@ -3912,7 +3918,7 @@
             <a:fld id="{B61BEF0D-F0BB-DE4B-95CE-6DB70DBA9567}" type="datetimeFigureOut">
               <a:rPr lang="en-US" dirty="0"/>
               <a:pPr/>
-              <a:t>3/23/2017</a:t>
+              <a:t>3/27/2017</a:t>
             </a:fld>
             <a:endParaRPr lang="en-US" dirty="0"/>
           </a:p>
@@ -4401,7 +4407,7 @@
             <a:fld id="{B61BEF0D-F0BB-DE4B-95CE-6DB70DBA9567}" type="datetimeFigureOut">
               <a:rPr lang="en-US" dirty="0"/>
               <a:pPr/>
-              <a:t>3/23/2017</a:t>
+              <a:t>3/27/2017</a:t>
             </a:fld>
             <a:endParaRPr lang="en-US" dirty="0"/>
           </a:p>
@@ -4516,7 +4522,7 @@
             <a:fld id="{B61BEF0D-F0BB-DE4B-95CE-6DB70DBA9567}" type="datetimeFigureOut">
               <a:rPr lang="en-US" dirty="0"/>
               <a:pPr/>
-              <a:t>3/23/2017</a:t>
+              <a:t>3/27/2017</a:t>
             </a:fld>
             <a:endParaRPr lang="en-US" dirty="0"/>
           </a:p>
@@ -4608,7 +4614,7 @@
             <a:fld id="{B61BEF0D-F0BB-DE4B-95CE-6DB70DBA9567}" type="datetimeFigureOut">
               <a:rPr lang="en-US" dirty="0"/>
               <a:pPr/>
-              <a:t>3/23/2017</a:t>
+              <a:t>3/27/2017</a:t>
             </a:fld>
             <a:endParaRPr lang="en-US" dirty="0"/>
           </a:p>
@@ -4888,7 +4894,7 @@
             <a:fld id="{B61BEF0D-F0BB-DE4B-95CE-6DB70DBA9567}" type="datetimeFigureOut">
               <a:rPr lang="en-US" dirty="0"/>
               <a:pPr/>
-              <a:t>3/23/2017</a:t>
+              <a:t>3/27/2017</a:t>
             </a:fld>
             <a:endParaRPr lang="en-US" dirty="0"/>
           </a:p>
@@ -5176,7 +5182,7 @@
             <a:fld id="{B61BEF0D-F0BB-DE4B-95CE-6DB70DBA9567}" type="datetimeFigureOut">
               <a:rPr lang="en-US" dirty="0"/>
               <a:pPr/>
-              <a:t>3/23/2017</a:t>
+              <a:t>3/27/2017</a:t>
             </a:fld>
             <a:endParaRPr lang="en-US" dirty="0"/>
           </a:p>
@@ -5703,7 +5709,7 @@
             <a:fld id="{B61BEF0D-F0BB-DE4B-95CE-6DB70DBA9567}" type="datetimeFigureOut">
               <a:rPr lang="en-US" dirty="0"/>
               <a:pPr/>
-              <a:t>3/23/2017</a:t>
+              <a:t>3/27/2017</a:t>
             </a:fld>
             <a:endParaRPr lang="en-US" dirty="0"/>
           </a:p>
@@ -6262,10 +6268,549 @@
           </a:p>
         </p:txBody>
       </p:sp>
+      <p:sp>
+        <p:nvSpPr>
+          <p:cNvPr id="3" name="TextBox 2"/>
+          <p:cNvSpPr txBox="1"/>
+          <p:nvPr/>
+        </p:nvSpPr>
+        <p:spPr>
+          <a:xfrm>
+            <a:off x="5683481" y="5595582"/>
+            <a:ext cx="6449010" cy="707886"/>
+          </a:xfrm>
+          <a:prstGeom prst="rect">
+            <a:avLst/>
+          </a:prstGeom>
+          <a:noFill/>
+        </p:spPr>
+        <p:txBody>
+          <a:bodyPr wrap="none" rtlCol="0">
+            <a:spAutoFit/>
+          </a:bodyPr>
+          <a:lstStyle/>
+          <a:p>
+            <a:r>
+              <a:rPr lang="en-US" sz="2000" dirty="0"/>
+              <a:t>Source code: </a:t>
+            </a:r>
+            <a:r>
+              <a:rPr lang="en-US" sz="2000" dirty="0">
+                <a:hlinkClick r:id="rId2"/>
+              </a:rPr>
+              <a:t>https://github.com/sflusov/AsyncAwaitPitfalls</a:t>
+            </a:r>
+            <a:endParaRPr lang="en-US" sz="2000" dirty="0"/>
+          </a:p>
+          <a:p>
+            <a:endParaRPr lang="ru-RU" sz="2000" dirty="0"/>
+          </a:p>
+        </p:txBody>
+      </p:sp>
     </p:spTree>
     <p:extLst>
       <p:ext uri="{BB962C8B-B14F-4D97-AF65-F5344CB8AC3E}">
         <p14:creationId xmlns:p14="http://schemas.microsoft.com/office/powerpoint/2010/main" val="4117756118"/>
+      </p:ext>
+    </p:extLst>
+  </p:cSld>
+  <p:clrMapOvr>
+    <a:masterClrMapping/>
+  </p:clrMapOvr>
+</p:sld>
+</file>
+
+<file path=ppt/slides/slide10.xml><?xml version="1.0" encoding="utf-8"?>
+<p:sld xmlns:a="http://schemas.openxmlformats.org/drawingml/2006/main" xmlns:r="http://schemas.openxmlformats.org/officeDocument/2006/relationships" xmlns:p="http://schemas.openxmlformats.org/presentationml/2006/main">
+  <p:cSld>
+    <p:spTree>
+      <p:nvGrpSpPr>
+        <p:cNvPr id="1" name=""/>
+        <p:cNvGrpSpPr/>
+        <p:nvPr/>
+      </p:nvGrpSpPr>
+      <p:grpSpPr>
+        <a:xfrm>
+          <a:off x="0" y="0"/>
+          <a:ext cx="0" cy="0"/>
+          <a:chOff x="0" y="0"/>
+          <a:chExt cx="0" cy="0"/>
+        </a:xfrm>
+      </p:grpSpPr>
+      <p:sp>
+        <p:nvSpPr>
+          <p:cNvPr id="2" name="Заголовок 1"/>
+          <p:cNvSpPr>
+            <a:spLocks noGrp="1"/>
+          </p:cNvSpPr>
+          <p:nvPr>
+            <p:ph type="title"/>
+          </p:nvPr>
+        </p:nvSpPr>
+        <p:spPr>
+          <a:xfrm>
+            <a:off x="1381674" y="46175"/>
+            <a:ext cx="10018713" cy="625764"/>
+          </a:xfrm>
+        </p:spPr>
+        <p:txBody>
+          <a:bodyPr>
+            <a:normAutofit fontScale="90000"/>
+          </a:bodyPr>
+          <a:lstStyle/>
+          <a:p>
+            <a:r>
+              <a:rPr lang="en-US" dirty="0"/>
+              <a:t>When at last you “await”?</a:t>
+            </a:r>
+            <a:r>
+              <a:rPr lang="ru-RU" dirty="0"/>
+              <a:t> (</a:t>
+            </a:r>
+            <a:r>
+              <a:rPr lang="en-US" dirty="0"/>
+              <a:t>Part 1) </a:t>
+            </a:r>
+            <a:endParaRPr lang="ru-RU" dirty="0"/>
+          </a:p>
+        </p:txBody>
+      </p:sp>
+      <p:pic>
+        <p:nvPicPr>
+          <p:cNvPr id="8" name="Рисунок 7"/>
+          <p:cNvPicPr>
+            <a:picLocks noChangeAspect="1"/>
+          </p:cNvPicPr>
+          <p:nvPr/>
+        </p:nvPicPr>
+        <p:blipFill>
+          <a:blip r:embed="rId2"/>
+          <a:stretch>
+            <a:fillRect/>
+          </a:stretch>
+        </p:blipFill>
+        <p:spPr>
+          <a:xfrm>
+            <a:off x="2230017" y="906688"/>
+            <a:ext cx="5882047" cy="5410135"/>
+          </a:xfrm>
+          <a:prstGeom prst="rect">
+            <a:avLst/>
+          </a:prstGeom>
+        </p:spPr>
+      </p:pic>
+      <p:sp>
+        <p:nvSpPr>
+          <p:cNvPr id="9" name="TextBox 8"/>
+          <p:cNvSpPr txBox="1"/>
+          <p:nvPr/>
+        </p:nvSpPr>
+        <p:spPr>
+          <a:xfrm>
+            <a:off x="8478812" y="1026758"/>
+            <a:ext cx="3439486" cy="3416320"/>
+          </a:xfrm>
+          <a:prstGeom prst="rect">
+            <a:avLst/>
+          </a:prstGeom>
+          <a:noFill/>
+        </p:spPr>
+        <p:txBody>
+          <a:bodyPr wrap="square" rtlCol="0">
+            <a:spAutoFit/>
+          </a:bodyPr>
+          <a:lstStyle/>
+          <a:p>
+            <a:r>
+              <a:rPr lang="en-US" dirty="0"/>
+              <a:t>Goals:</a:t>
+            </a:r>
+          </a:p>
+          <a:p>
+            <a:pPr marL="342900" indent="-342900">
+              <a:buFont typeface="+mj-lt"/>
+              <a:buAutoNum type="arabicPeriod"/>
+            </a:pPr>
+            <a:r>
+              <a:rPr lang="en-US" dirty="0"/>
+              <a:t>I want to mix asynchronous and synchronous methods for better performance</a:t>
+            </a:r>
+            <a:endParaRPr lang="ru-RU" dirty="0"/>
+          </a:p>
+          <a:p>
+            <a:endParaRPr lang="en-US" dirty="0"/>
+          </a:p>
+          <a:p>
+            <a:r>
+              <a:rPr lang="en-US" dirty="0"/>
+              <a:t>Questions:</a:t>
+            </a:r>
+          </a:p>
+          <a:p>
+            <a:pPr marL="342900" indent="-342900">
+              <a:buFont typeface="+mj-lt"/>
+              <a:buAutoNum type="arabicPeriod"/>
+            </a:pPr>
+            <a:r>
+              <a:rPr lang="en-US" dirty="0"/>
+              <a:t>What problems does this code contains?</a:t>
+            </a:r>
+          </a:p>
+          <a:p>
+            <a:pPr marL="342900" indent="-342900">
+              <a:buFont typeface="+mj-lt"/>
+              <a:buAutoNum type="arabicPeriod"/>
+            </a:pPr>
+            <a:r>
+              <a:rPr lang="en-US" dirty="0"/>
+              <a:t>How we should resolve this problem?</a:t>
+            </a:r>
+          </a:p>
+          <a:p>
+            <a:pPr marL="342900" indent="-342900">
+              <a:buFont typeface="+mj-lt"/>
+              <a:buAutoNum type="arabicPeriod"/>
+            </a:pPr>
+            <a:endParaRPr lang="en-US" dirty="0"/>
+          </a:p>
+          <a:p>
+            <a:endParaRPr lang="ru-RU" dirty="0"/>
+          </a:p>
+        </p:txBody>
+      </p:sp>
+    </p:spTree>
+    <p:extLst>
+      <p:ext uri="{BB962C8B-B14F-4D97-AF65-F5344CB8AC3E}">
+        <p14:creationId xmlns:p14="http://schemas.microsoft.com/office/powerpoint/2010/main" val="2386486941"/>
+      </p:ext>
+    </p:extLst>
+  </p:cSld>
+  <p:clrMapOvr>
+    <a:masterClrMapping/>
+  </p:clrMapOvr>
+</p:sld>
+</file>
+
+<file path=ppt/slides/slide11.xml><?xml version="1.0" encoding="utf-8"?>
+<p:sld xmlns:a="http://schemas.openxmlformats.org/drawingml/2006/main" xmlns:r="http://schemas.openxmlformats.org/officeDocument/2006/relationships" xmlns:p="http://schemas.openxmlformats.org/presentationml/2006/main">
+  <p:cSld>
+    <p:spTree>
+      <p:nvGrpSpPr>
+        <p:cNvPr id="1" name=""/>
+        <p:cNvGrpSpPr/>
+        <p:nvPr/>
+      </p:nvGrpSpPr>
+      <p:grpSpPr>
+        <a:xfrm>
+          <a:off x="0" y="0"/>
+          <a:ext cx="0" cy="0"/>
+          <a:chOff x="0" y="0"/>
+          <a:chExt cx="0" cy="0"/>
+        </a:xfrm>
+      </p:grpSpPr>
+      <p:sp>
+        <p:nvSpPr>
+          <p:cNvPr id="2" name="Заголовок 1"/>
+          <p:cNvSpPr>
+            <a:spLocks noGrp="1"/>
+          </p:cNvSpPr>
+          <p:nvPr>
+            <p:ph type="title"/>
+          </p:nvPr>
+        </p:nvSpPr>
+        <p:spPr>
+          <a:xfrm>
+            <a:off x="1381674" y="46175"/>
+            <a:ext cx="10018713" cy="625764"/>
+          </a:xfrm>
+        </p:spPr>
+        <p:txBody>
+          <a:bodyPr>
+            <a:normAutofit fontScale="90000"/>
+          </a:bodyPr>
+          <a:lstStyle/>
+          <a:p>
+            <a:r>
+              <a:rPr lang="en-US" dirty="0"/>
+              <a:t>When at last you “await”?</a:t>
+            </a:r>
+            <a:r>
+              <a:rPr lang="ru-RU" dirty="0"/>
+              <a:t> (</a:t>
+            </a:r>
+            <a:r>
+              <a:rPr lang="en-US" dirty="0"/>
+              <a:t>Part 2) </a:t>
+            </a:r>
+            <a:endParaRPr lang="ru-RU" dirty="0"/>
+          </a:p>
+        </p:txBody>
+      </p:sp>
+      <p:sp>
+        <p:nvSpPr>
+          <p:cNvPr id="9" name="TextBox 8"/>
+          <p:cNvSpPr txBox="1"/>
+          <p:nvPr/>
+        </p:nvSpPr>
+        <p:spPr>
+          <a:xfrm>
+            <a:off x="8478812" y="1026758"/>
+            <a:ext cx="3439486" cy="3416320"/>
+          </a:xfrm>
+          <a:prstGeom prst="rect">
+            <a:avLst/>
+          </a:prstGeom>
+          <a:noFill/>
+        </p:spPr>
+        <p:txBody>
+          <a:bodyPr wrap="square" rtlCol="0">
+            <a:spAutoFit/>
+          </a:bodyPr>
+          <a:lstStyle/>
+          <a:p>
+            <a:r>
+              <a:rPr lang="en-US" dirty="0"/>
+              <a:t>Goals:</a:t>
+            </a:r>
+          </a:p>
+          <a:p>
+            <a:pPr marL="342900" indent="-342900">
+              <a:buFont typeface="+mj-lt"/>
+              <a:buAutoNum type="arabicPeriod"/>
+            </a:pPr>
+            <a:r>
+              <a:rPr lang="en-US" dirty="0"/>
+              <a:t>I want to mix asynchronous and synchronous methods for better performance</a:t>
+            </a:r>
+            <a:endParaRPr lang="ru-RU" dirty="0"/>
+          </a:p>
+          <a:p>
+            <a:endParaRPr lang="en-US" dirty="0"/>
+          </a:p>
+          <a:p>
+            <a:r>
+              <a:rPr lang="en-US" dirty="0"/>
+              <a:t>Questions:</a:t>
+            </a:r>
+          </a:p>
+          <a:p>
+            <a:pPr marL="342900" indent="-342900">
+              <a:buFont typeface="+mj-lt"/>
+              <a:buAutoNum type="arabicPeriod"/>
+            </a:pPr>
+            <a:r>
+              <a:rPr lang="en-US" dirty="0"/>
+              <a:t>What problems does this code contains?</a:t>
+            </a:r>
+          </a:p>
+          <a:p>
+            <a:pPr marL="342900" indent="-342900">
+              <a:buFont typeface="+mj-lt"/>
+              <a:buAutoNum type="arabicPeriod"/>
+            </a:pPr>
+            <a:r>
+              <a:rPr lang="en-US" dirty="0"/>
+              <a:t>How we should resolve this problem?</a:t>
+            </a:r>
+          </a:p>
+          <a:p>
+            <a:pPr marL="342900" indent="-342900">
+              <a:buFont typeface="+mj-lt"/>
+              <a:buAutoNum type="arabicPeriod"/>
+            </a:pPr>
+            <a:endParaRPr lang="en-US" dirty="0"/>
+          </a:p>
+          <a:p>
+            <a:endParaRPr lang="ru-RU" dirty="0"/>
+          </a:p>
+        </p:txBody>
+      </p:sp>
+      <p:pic>
+        <p:nvPicPr>
+          <p:cNvPr id="3" name="Рисунок 2"/>
+          <p:cNvPicPr>
+            <a:picLocks noChangeAspect="1"/>
+          </p:cNvPicPr>
+          <p:nvPr/>
+        </p:nvPicPr>
+        <p:blipFill>
+          <a:blip r:embed="rId2"/>
+          <a:stretch>
+            <a:fillRect/>
+          </a:stretch>
+        </p:blipFill>
+        <p:spPr>
+          <a:xfrm>
+            <a:off x="1717577" y="779978"/>
+            <a:ext cx="4823182" cy="5966198"/>
+          </a:xfrm>
+          <a:prstGeom prst="rect">
+            <a:avLst/>
+          </a:prstGeom>
+        </p:spPr>
+      </p:pic>
+    </p:spTree>
+    <p:extLst>
+      <p:ext uri="{BB962C8B-B14F-4D97-AF65-F5344CB8AC3E}">
+        <p14:creationId xmlns:p14="http://schemas.microsoft.com/office/powerpoint/2010/main" val="894802718"/>
+      </p:ext>
+    </p:extLst>
+  </p:cSld>
+  <p:clrMapOvr>
+    <a:masterClrMapping/>
+  </p:clrMapOvr>
+</p:sld>
+</file>
+
+<file path=ppt/slides/slide12.xml><?xml version="1.0" encoding="utf-8"?>
+<p:sld xmlns:a="http://schemas.openxmlformats.org/drawingml/2006/main" xmlns:r="http://schemas.openxmlformats.org/officeDocument/2006/relationships" xmlns:p="http://schemas.openxmlformats.org/presentationml/2006/main">
+  <p:cSld>
+    <p:spTree>
+      <p:nvGrpSpPr>
+        <p:cNvPr id="1" name=""/>
+        <p:cNvGrpSpPr/>
+        <p:nvPr/>
+      </p:nvGrpSpPr>
+      <p:grpSpPr>
+        <a:xfrm>
+          <a:off x="0" y="0"/>
+          <a:ext cx="0" cy="0"/>
+          <a:chOff x="0" y="0"/>
+          <a:chExt cx="0" cy="0"/>
+        </a:xfrm>
+      </p:grpSpPr>
+      <p:sp>
+        <p:nvSpPr>
+          <p:cNvPr id="2" name="Заголовок 1"/>
+          <p:cNvSpPr>
+            <a:spLocks noGrp="1"/>
+          </p:cNvSpPr>
+          <p:nvPr>
+            <p:ph type="title"/>
+          </p:nvPr>
+        </p:nvSpPr>
+        <p:spPr>
+          <a:xfrm>
+            <a:off x="1484311" y="316348"/>
+            <a:ext cx="10018713" cy="690418"/>
+          </a:xfrm>
+        </p:spPr>
+        <p:txBody>
+          <a:bodyPr>
+            <a:normAutofit fontScale="90000"/>
+          </a:bodyPr>
+          <a:lstStyle/>
+          <a:p>
+            <a:r>
+              <a:rPr lang="en-US" dirty="0"/>
+              <a:t>Where I can’t use “await”?</a:t>
+            </a:r>
+            <a:endParaRPr lang="ru-RU" dirty="0"/>
+          </a:p>
+        </p:txBody>
+      </p:sp>
+      <p:sp>
+        <p:nvSpPr>
+          <p:cNvPr id="3" name="Объект 2"/>
+          <p:cNvSpPr>
+            <a:spLocks noGrp="1"/>
+          </p:cNvSpPr>
+          <p:nvPr>
+            <p:ph idx="1"/>
+          </p:nvPr>
+        </p:nvSpPr>
+        <p:spPr/>
+        <p:txBody>
+          <a:bodyPr/>
+          <a:lstStyle/>
+          <a:p>
+            <a:endParaRPr lang="ru-RU"/>
+          </a:p>
+        </p:txBody>
+      </p:sp>
+    </p:spTree>
+    <p:extLst>
+      <p:ext uri="{BB962C8B-B14F-4D97-AF65-F5344CB8AC3E}">
+        <p14:creationId xmlns:p14="http://schemas.microsoft.com/office/powerpoint/2010/main" val="4084537470"/>
+      </p:ext>
+    </p:extLst>
+  </p:cSld>
+  <p:clrMapOvr>
+    <a:masterClrMapping/>
+  </p:clrMapOvr>
+</p:sld>
+</file>
+
+<file path=ppt/slides/slide13.xml><?xml version="1.0" encoding="utf-8"?>
+<p:sld xmlns:a="http://schemas.openxmlformats.org/drawingml/2006/main" xmlns:r="http://schemas.openxmlformats.org/officeDocument/2006/relationships" xmlns:p="http://schemas.openxmlformats.org/presentationml/2006/main">
+  <p:cSld>
+    <p:spTree>
+      <p:nvGrpSpPr>
+        <p:cNvPr id="1" name=""/>
+        <p:cNvGrpSpPr/>
+        <p:nvPr/>
+      </p:nvGrpSpPr>
+      <p:grpSpPr>
+        <a:xfrm>
+          <a:off x="0" y="0"/>
+          <a:ext cx="0" cy="0"/>
+          <a:chOff x="0" y="0"/>
+          <a:chExt cx="0" cy="0"/>
+        </a:xfrm>
+      </p:grpSpPr>
+      <p:sp>
+        <p:nvSpPr>
+          <p:cNvPr id="2" name="Заголовок 1"/>
+          <p:cNvSpPr>
+            <a:spLocks noGrp="1"/>
+          </p:cNvSpPr>
+          <p:nvPr>
+            <p:ph type="title"/>
+          </p:nvPr>
+        </p:nvSpPr>
+        <p:spPr>
+          <a:xfrm>
+            <a:off x="1484311" y="316348"/>
+            <a:ext cx="10018713" cy="690418"/>
+          </a:xfrm>
+        </p:spPr>
+        <p:txBody>
+          <a:bodyPr>
+            <a:normAutofit fontScale="90000"/>
+          </a:bodyPr>
+          <a:lstStyle/>
+          <a:p>
+            <a:r>
+              <a:rPr lang="en-US" dirty="0"/>
+              <a:t>What happens when I combining "await" and loop.</a:t>
+            </a:r>
+            <a:endParaRPr lang="ru-RU" dirty="0"/>
+          </a:p>
+        </p:txBody>
+      </p:sp>
+      <p:sp>
+        <p:nvSpPr>
+          <p:cNvPr id="3" name="Объект 2"/>
+          <p:cNvSpPr>
+            <a:spLocks noGrp="1"/>
+          </p:cNvSpPr>
+          <p:nvPr>
+            <p:ph idx="1"/>
+          </p:nvPr>
+        </p:nvSpPr>
+        <p:spPr/>
+        <p:txBody>
+          <a:bodyPr/>
+          <a:lstStyle/>
+          <a:p>
+            <a:endParaRPr lang="ru-RU" dirty="0"/>
+          </a:p>
+        </p:txBody>
+      </p:sp>
+    </p:spTree>
+    <p:extLst>
+      <p:ext uri="{BB962C8B-B14F-4D97-AF65-F5344CB8AC3E}">
+        <p14:creationId xmlns:p14="http://schemas.microsoft.com/office/powerpoint/2010/main" val="4269881390"/>
       </p:ext>
     </p:extLst>
   </p:cSld>
@@ -6514,8 +7059,8 @@
         </p:nvSpPr>
         <p:spPr>
           <a:xfrm>
-            <a:off x="8414158" y="1686187"/>
-            <a:ext cx="3439486" cy="5355312"/>
+            <a:off x="8414158" y="935564"/>
+            <a:ext cx="3439486" cy="5909310"/>
           </a:xfrm>
           <a:prstGeom prst="rect">
             <a:avLst/>
@@ -6553,7 +7098,30 @@
             </a:r>
           </a:p>
           <a:p>
-            <a:endParaRPr lang="en-US" dirty="0"/>
+            <a:pPr marL="342900" indent="-342900">
+              <a:buFont typeface="+mj-lt"/>
+              <a:buAutoNum type="arabicPeriod"/>
+            </a:pPr>
+            <a:r>
+              <a:rPr lang="en-US" dirty="0"/>
+              <a:t>Should I always use "</a:t>
+            </a:r>
+            <a:r>
+              <a:rPr lang="en-US" dirty="0" err="1"/>
+              <a:t>async</a:t>
+            </a:r>
+            <a:r>
+              <a:rPr lang="en-US" dirty="0"/>
+              <a:t> await" for creation </a:t>
+            </a:r>
+            <a:r>
+              <a:rPr lang="en-US" dirty="0" err="1"/>
+              <a:t>async</a:t>
+            </a:r>
+            <a:r>
+              <a:rPr lang="en-US" dirty="0"/>
+              <a:t>-method of controller?</a:t>
+            </a:r>
           </a:p>
           <a:p>
             <a:pPr marL="342900" indent="-342900">
@@ -6649,8 +7217,8 @@
         </p:nvSpPr>
         <p:spPr>
           <a:xfrm>
-            <a:off x="1484311" y="288643"/>
-            <a:ext cx="10018713" cy="586409"/>
+            <a:off x="1484311" y="685800"/>
+            <a:ext cx="10018713" cy="699655"/>
           </a:xfrm>
         </p:spPr>
         <p:txBody>
@@ -6661,6 +7229,102 @@
           <a:p>
             <a:r>
               <a:rPr lang="en-US" dirty="0"/>
+              <a:t>Conclusion from slide</a:t>
+            </a:r>
+            <a:endParaRPr lang="ru-RU" dirty="0"/>
+          </a:p>
+        </p:txBody>
+      </p:sp>
+      <p:sp>
+        <p:nvSpPr>
+          <p:cNvPr id="3" name="Объект 2"/>
+          <p:cNvSpPr>
+            <a:spLocks noGrp="1"/>
+          </p:cNvSpPr>
+          <p:nvPr>
+            <p:ph idx="1"/>
+          </p:nvPr>
+        </p:nvSpPr>
+        <p:spPr>
+          <a:xfrm>
+            <a:off x="1484310" y="1650999"/>
+            <a:ext cx="10018713" cy="3124201"/>
+          </a:xfrm>
+        </p:spPr>
+        <p:txBody>
+          <a:bodyPr/>
+          <a:lstStyle/>
+          <a:p>
+            <a:r>
+              <a:rPr lang="en-US" dirty="0"/>
+              <a:t>You can create asynchronous method based on "Task" without use keyword "</a:t>
+            </a:r>
+            <a:r>
+              <a:rPr lang="en-US" dirty="0" err="1"/>
+              <a:t>async</a:t>
+            </a:r>
+            <a:r>
+              <a:rPr lang="en-US" dirty="0"/>
+              <a:t> await" on top level.</a:t>
+            </a:r>
+            <a:endParaRPr lang="ru-RU" dirty="0"/>
+          </a:p>
+        </p:txBody>
+      </p:sp>
+    </p:spTree>
+    <p:extLst>
+      <p:ext uri="{BB962C8B-B14F-4D97-AF65-F5344CB8AC3E}">
+        <p14:creationId xmlns:p14="http://schemas.microsoft.com/office/powerpoint/2010/main" val="3986909379"/>
+      </p:ext>
+    </p:extLst>
+  </p:cSld>
+  <p:clrMapOvr>
+    <a:masterClrMapping/>
+  </p:clrMapOvr>
+</p:sld>
+</file>
+
+<file path=ppt/slides/slide5.xml><?xml version="1.0" encoding="utf-8"?>
+<p:sld xmlns:a="http://schemas.openxmlformats.org/drawingml/2006/main" xmlns:r="http://schemas.openxmlformats.org/officeDocument/2006/relationships" xmlns:p="http://schemas.openxmlformats.org/presentationml/2006/main">
+  <p:cSld>
+    <p:spTree>
+      <p:nvGrpSpPr>
+        <p:cNvPr id="1" name=""/>
+        <p:cNvGrpSpPr/>
+        <p:nvPr/>
+      </p:nvGrpSpPr>
+      <p:grpSpPr>
+        <a:xfrm>
+          <a:off x="0" y="0"/>
+          <a:ext cx="0" cy="0"/>
+          <a:chOff x="0" y="0"/>
+          <a:chExt cx="0" cy="0"/>
+        </a:xfrm>
+      </p:grpSpPr>
+      <p:sp>
+        <p:nvSpPr>
+          <p:cNvPr id="2" name="Заголовок 1"/>
+          <p:cNvSpPr>
+            <a:spLocks noGrp="1"/>
+          </p:cNvSpPr>
+          <p:nvPr>
+            <p:ph type="title"/>
+          </p:nvPr>
+        </p:nvSpPr>
+        <p:spPr>
+          <a:xfrm>
+            <a:off x="1484311" y="0"/>
+            <a:ext cx="10018713" cy="1355341"/>
+          </a:xfrm>
+        </p:spPr>
+        <p:txBody>
+          <a:bodyPr>
+            <a:normAutofit/>
+          </a:bodyPr>
+          <a:lstStyle/>
+          <a:p>
+            <a:r>
+              <a:rPr lang="en-US" dirty="0"/>
               <a:t>The simplest example with </a:t>
             </a:r>
             <a:r>
@@ -6671,7 +7335,14 @@
               <a:rPr lang="en-US" dirty="0"/>
               <a:t> void method</a:t>
             </a:r>
-            <a:endParaRPr lang="ru-RU" dirty="0"/>
+            <a:br>
+              <a:rPr lang="en-US" dirty="0"/>
+            </a:br>
+            <a:r>
+              <a:rPr lang="en-US" sz="2800" dirty="0"/>
+              <a:t>Where I can’t use “await”?</a:t>
+            </a:r>
+            <a:endParaRPr lang="ru-RU" sz="2800" dirty="0"/>
           </a:p>
         </p:txBody>
       </p:sp>
@@ -6808,7 +7479,7 @@
 </p:sld>
 </file>
 
-<file path=ppt/slides/slide5.xml><?xml version="1.0" encoding="utf-8"?>
+<file path=ppt/slides/slide6.xml><?xml version="1.0" encoding="utf-8"?>
 <p:sld xmlns:a="http://schemas.openxmlformats.org/drawingml/2006/main" xmlns:r="http://schemas.openxmlformats.org/officeDocument/2006/relationships" xmlns:p="http://schemas.openxmlformats.org/presentationml/2006/main">
   <p:cSld>
     <p:spTree>
@@ -6837,8 +7508,174 @@
         </p:nvSpPr>
         <p:spPr>
           <a:xfrm>
+            <a:off x="1484311" y="685801"/>
+            <a:ext cx="10018713" cy="838200"/>
+          </a:xfrm>
+        </p:spPr>
+        <p:txBody>
+          <a:bodyPr/>
+          <a:lstStyle/>
+          <a:p>
+            <a:r>
+              <a:rPr lang="en-US" dirty="0"/>
+              <a:t>Conclusion from slide</a:t>
+            </a:r>
+            <a:endParaRPr lang="ru-RU" dirty="0"/>
+          </a:p>
+        </p:txBody>
+      </p:sp>
+      <p:sp>
+        <p:nvSpPr>
+          <p:cNvPr id="3" name="Объект 2"/>
+          <p:cNvSpPr>
+            <a:spLocks noGrp="1"/>
+          </p:cNvSpPr>
+          <p:nvPr>
+            <p:ph idx="1"/>
+          </p:nvPr>
+        </p:nvSpPr>
+        <p:spPr>
+          <a:xfrm>
+            <a:off x="1484310" y="2537690"/>
+            <a:ext cx="10018713" cy="2182092"/>
+          </a:xfrm>
+        </p:spPr>
+        <p:txBody>
+          <a:bodyPr/>
+          <a:lstStyle/>
+          <a:p>
+            <a:r>
+              <a:rPr lang="en-US" dirty="0"/>
+              <a:t>Avoid </a:t>
+            </a:r>
+            <a:r>
+              <a:rPr lang="en-US" dirty="0" err="1"/>
+              <a:t>async</a:t>
+            </a:r>
+            <a:r>
+              <a:rPr lang="en-US" dirty="0"/>
+              <a:t> void. Prefer </a:t>
+            </a:r>
+            <a:r>
+              <a:rPr lang="en-US" dirty="0" err="1"/>
+              <a:t>async</a:t>
+            </a:r>
+            <a:r>
+              <a:rPr lang="en-US" dirty="0"/>
+              <a:t> Task methods over </a:t>
+            </a:r>
+            <a:r>
+              <a:rPr lang="en-US" dirty="0" err="1"/>
+              <a:t>async</a:t>
+            </a:r>
+            <a:r>
+              <a:rPr lang="en-US" dirty="0"/>
+              <a:t> void methods.</a:t>
+            </a:r>
+          </a:p>
+          <a:p>
+            <a:r>
+              <a:rPr lang="en-US" dirty="0"/>
+              <a:t>Exception: Event handlers (fire &amp; forget) </a:t>
+            </a:r>
+            <a:endParaRPr lang="ru-RU" dirty="0"/>
+          </a:p>
+        </p:txBody>
+      </p:sp>
+      <p:sp>
+        <p:nvSpPr>
+          <p:cNvPr id="6" name="TextBox 5"/>
+          <p:cNvSpPr txBox="1"/>
+          <p:nvPr/>
+        </p:nvSpPr>
+        <p:spPr>
+          <a:xfrm>
+            <a:off x="5362578" y="5890595"/>
+            <a:ext cx="6829422" cy="646331"/>
+          </a:xfrm>
+          <a:prstGeom prst="rect">
+            <a:avLst/>
+          </a:prstGeom>
+          <a:noFill/>
+        </p:spPr>
+        <p:txBody>
+          <a:bodyPr wrap="square" rtlCol="0">
+            <a:spAutoFit/>
+          </a:bodyPr>
+          <a:lstStyle/>
+          <a:p>
+            <a:r>
+              <a:rPr lang="en-US" dirty="0"/>
+              <a:t>Source: </a:t>
+            </a:r>
+            <a:r>
+              <a:rPr lang="en-US" dirty="0">
+                <a:hlinkClick r:id="rId2"/>
+              </a:rPr>
+              <a:t>https://msdn.microsoft.com/en-us/magazine/jj991977.aspx</a:t>
+            </a:r>
+            <a:endParaRPr lang="en-US" dirty="0"/>
+          </a:p>
+          <a:p>
+            <a:r>
+              <a:rPr lang="en-US" dirty="0"/>
+              <a:t>Paragraph: Avoid </a:t>
+            </a:r>
+            <a:r>
+              <a:rPr lang="en-US" dirty="0" err="1"/>
+              <a:t>Async</a:t>
+            </a:r>
+            <a:r>
+              <a:rPr lang="en-US" dirty="0"/>
+              <a:t> Void</a:t>
+            </a:r>
+          </a:p>
+        </p:txBody>
+      </p:sp>
+    </p:spTree>
+    <p:extLst>
+      <p:ext uri="{BB962C8B-B14F-4D97-AF65-F5344CB8AC3E}">
+        <p14:creationId xmlns:p14="http://schemas.microsoft.com/office/powerpoint/2010/main" val="4079962869"/>
+      </p:ext>
+    </p:extLst>
+  </p:cSld>
+  <p:clrMapOvr>
+    <a:masterClrMapping/>
+  </p:clrMapOvr>
+</p:sld>
+</file>
+
+<file path=ppt/slides/slide7.xml><?xml version="1.0" encoding="utf-8"?>
+<p:sld xmlns:a="http://schemas.openxmlformats.org/drawingml/2006/main" xmlns:r="http://schemas.openxmlformats.org/officeDocument/2006/relationships" xmlns:p="http://schemas.openxmlformats.org/presentationml/2006/main">
+  <p:cSld>
+    <p:spTree>
+      <p:nvGrpSpPr>
+        <p:cNvPr id="1" name=""/>
+        <p:cNvGrpSpPr/>
+        <p:nvPr/>
+      </p:nvGrpSpPr>
+      <p:grpSpPr>
+        <a:xfrm>
+          <a:off x="0" y="0"/>
+          <a:ext cx="0" cy="0"/>
+          <a:chOff x="0" y="0"/>
+          <a:chExt cx="0" cy="0"/>
+        </a:xfrm>
+      </p:grpSpPr>
+      <p:sp>
+        <p:nvSpPr>
+          <p:cNvPr id="2" name="Заголовок 1"/>
+          <p:cNvSpPr>
+            <a:spLocks noGrp="1"/>
+          </p:cNvSpPr>
+          <p:nvPr>
+            <p:ph type="title"/>
+          </p:nvPr>
+        </p:nvSpPr>
+        <p:spPr>
+          <a:xfrm>
             <a:off x="1484311" y="251689"/>
-            <a:ext cx="10018713" cy="586409"/>
+            <a:ext cx="10018713" cy="1309256"/>
           </a:xfrm>
         </p:spPr>
         <p:txBody>
@@ -6865,7 +7702,22 @@
             </a:r>
             <a:r>
               <a:rPr lang="en-US" dirty="0"/>
-              <a:t> Await</a:t>
+              <a:t> Await (Part 1)</a:t>
+            </a:r>
+            <a:br>
+              <a:rPr lang="en-US" dirty="0"/>
+            </a:br>
+            <a:r>
+              <a:rPr lang="en-US" sz="3100" dirty="0"/>
+              <a:t>How does “await” relate to the current </a:t>
+            </a:r>
+            <a:r>
+              <a:rPr lang="en-US" sz="3100" dirty="0" err="1"/>
+              <a:t>SynchronizationContext</a:t>
+            </a:r>
+            <a:r>
+              <a:rPr lang="en-US" sz="3100" dirty="0"/>
+              <a:t>?</a:t>
             </a:r>
             <a:endParaRPr lang="ru-RU" dirty="0"/>
           </a:p>
@@ -7021,7 +7873,7 @@
 </p:sld>
 </file>
 
-<file path=ppt/slides/slide6.xml><?xml version="1.0" encoding="utf-8"?>
+<file path=ppt/slides/slide8.xml><?xml version="1.0" encoding="utf-8"?>
 <p:sld xmlns:a="http://schemas.openxmlformats.org/drawingml/2006/main" xmlns:r="http://schemas.openxmlformats.org/officeDocument/2006/relationships" xmlns:p="http://schemas.openxmlformats.org/presentationml/2006/main">
   <p:cSld>
     <p:spTree>
@@ -7050,66 +7902,111 @@
         </p:nvSpPr>
         <p:spPr>
           <a:xfrm>
-            <a:off x="1381674" y="46175"/>
-            <a:ext cx="10018713" cy="625764"/>
+            <a:off x="1484311" y="685801"/>
+            <a:ext cx="10018713" cy="838200"/>
           </a:xfrm>
         </p:spPr>
         <p:txBody>
-          <a:bodyPr>
-            <a:normAutofit fontScale="90000"/>
-          </a:bodyPr>
-          <a:lstStyle/>
-          <a:p>
-            <a:r>
-              <a:rPr lang="en-US" dirty="0"/>
-              <a:t>When at last you “await”?</a:t>
-            </a:r>
-            <a:r>
-              <a:rPr lang="ru-RU" dirty="0"/>
-              <a:t> (</a:t>
-            </a:r>
-            <a:r>
-              <a:rPr lang="en-US" dirty="0"/>
-              <a:t>Part 1) </a:t>
+          <a:bodyPr/>
+          <a:lstStyle/>
+          <a:p>
+            <a:r>
+              <a:rPr lang="en-US" dirty="0"/>
+              <a:t>Conclusion from slide</a:t>
             </a:r>
             <a:endParaRPr lang="ru-RU" dirty="0"/>
           </a:p>
         </p:txBody>
       </p:sp>
-      <p:pic>
-        <p:nvPicPr>
-          <p:cNvPr id="8" name="Рисунок 7"/>
-          <p:cNvPicPr>
-            <a:picLocks noChangeAspect="1"/>
-          </p:cNvPicPr>
-          <p:nvPr/>
-        </p:nvPicPr>
-        <p:blipFill>
-          <a:blip r:embed="rId2"/>
-          <a:stretch>
-            <a:fillRect/>
-          </a:stretch>
-        </p:blipFill>
+      <p:sp>
+        <p:nvSpPr>
+          <p:cNvPr id="3" name="Объект 2"/>
+          <p:cNvSpPr>
+            <a:spLocks noGrp="1"/>
+          </p:cNvSpPr>
+          <p:nvPr>
+            <p:ph idx="1"/>
+          </p:nvPr>
+        </p:nvSpPr>
         <p:spPr>
           <a:xfrm>
-            <a:off x="2230017" y="906688"/>
-            <a:ext cx="5882047" cy="5410135"/>
+            <a:off x="1484310" y="2537690"/>
+            <a:ext cx="10018713" cy="2182092"/>
           </a:xfrm>
-          <a:prstGeom prst="rect">
-            <a:avLst/>
-          </a:prstGeom>
         </p:spPr>
-      </p:pic>
-      <p:sp>
-        <p:nvSpPr>
-          <p:cNvPr id="9" name="TextBox 8"/>
+        <p:txBody>
+          <a:bodyPr>
+            <a:normAutofit fontScale="92500" lnSpcReduction="10000"/>
+          </a:bodyPr>
+          <a:lstStyle/>
+          <a:p>
+            <a:r>
+              <a:rPr lang="en-US" dirty="0"/>
+              <a:t>You should not use </a:t>
+            </a:r>
+            <a:r>
+              <a:rPr lang="en-US" dirty="0" err="1"/>
+              <a:t>ConfigureAwait</a:t>
+            </a:r>
+            <a:r>
+              <a:rPr lang="en-US" dirty="0"/>
+              <a:t> when you have code after the await in the method that needs the context.</a:t>
+            </a:r>
+            <a:endParaRPr lang="en-US" dirty="0"/>
+          </a:p>
+          <a:p>
+            <a:pPr marL="0" indent="0">
+              <a:buNone/>
+            </a:pPr>
+            <a:endParaRPr lang="en-US" dirty="0"/>
+          </a:p>
+          <a:p>
+            <a:pPr marL="0" indent="0">
+              <a:buNone/>
+            </a:pPr>
+            <a:r>
+              <a:rPr lang="en-US" sz="1400" dirty="0"/>
+              <a:t>For GUI apps, this includes any code that manipulates GUI elements, writes data-bound properties or depends on a GUI-specific type such as Dispatcher/</a:t>
+            </a:r>
+            <a:r>
+              <a:rPr lang="en-US" sz="1400" dirty="0" err="1"/>
+              <a:t>CoreDispatcher</a:t>
+            </a:r>
+            <a:r>
+              <a:rPr lang="en-US" sz="1400" dirty="0"/>
+              <a:t>.</a:t>
+            </a:r>
+          </a:p>
+          <a:p>
+            <a:pPr marL="0" indent="0">
+              <a:buNone/>
+            </a:pPr>
+            <a:r>
+              <a:rPr lang="en-US" sz="1400" dirty="0"/>
+              <a:t> For ASP.NET apps, this includes any code that uses </a:t>
+            </a:r>
+            <a:r>
+              <a:rPr lang="en-US" sz="1400" dirty="0" err="1"/>
+              <a:t>HttpContext.Current</a:t>
+            </a:r>
+            <a:r>
+              <a:rPr lang="en-US" sz="1400" dirty="0"/>
+              <a:t> or builds an ASP.NET response, including return statements in controller actions</a:t>
+            </a:r>
+            <a:endParaRPr lang="ru-RU" sz="1400" dirty="0"/>
+          </a:p>
+        </p:txBody>
+      </p:sp>
+      <p:sp>
+        <p:nvSpPr>
+          <p:cNvPr id="6" name="TextBox 5"/>
           <p:cNvSpPr txBox="1"/>
           <p:nvPr/>
         </p:nvSpPr>
         <p:spPr>
           <a:xfrm>
-            <a:off x="8478812" y="1026758"/>
-            <a:ext cx="3439486" cy="3416320"/>
+            <a:off x="5362578" y="5890595"/>
+            <a:ext cx="6829422" cy="646331"/>
           </a:xfrm>
           <a:prstGeom prst="rect">
             <a:avLst/>
@@ -7124,65 +8021,28 @@
           <a:p>
             <a:r>
               <a:rPr lang="en-US" dirty="0"/>
-              <a:t>Goals:</a:t>
-            </a:r>
-          </a:p>
-          <a:p>
-            <a:pPr marL="342900" indent="-342900">
-              <a:buFont typeface="+mj-lt"/>
-              <a:buAutoNum type="arabicPeriod"/>
-            </a:pPr>
-            <a:r>
-              <a:rPr lang="en-US" dirty="0"/>
-              <a:t>I want to mix asynchronous and synchronous methods for better performance</a:t>
-            </a:r>
-            <a:endParaRPr lang="ru-RU" dirty="0"/>
-          </a:p>
-          <a:p>
-            <a:endParaRPr lang="en-US" dirty="0"/>
-          </a:p>
-          <a:p>
-            <a:r>
-              <a:rPr lang="en-US" dirty="0"/>
-              <a:t>Questions:</a:t>
-            </a:r>
-          </a:p>
-          <a:p>
-            <a:pPr marL="342900" indent="-342900">
-              <a:buFont typeface="+mj-lt"/>
-              <a:buAutoNum type="arabicPeriod"/>
-            </a:pPr>
-            <a:r>
-              <a:rPr lang="en-US" dirty="0"/>
-              <a:t>What problems does this code contains?</a:t>
-            </a:r>
-          </a:p>
-          <a:p>
-            <a:pPr marL="342900" indent="-342900">
-              <a:buFont typeface="+mj-lt"/>
-              <a:buAutoNum type="arabicPeriod"/>
-            </a:pPr>
-            <a:r>
-              <a:rPr lang="en-US" dirty="0"/>
-              <a:t>How we should resolve this problem?</a:t>
-            </a:r>
-          </a:p>
-          <a:p>
-            <a:pPr marL="342900" indent="-342900">
-              <a:buFont typeface="+mj-lt"/>
-              <a:buAutoNum type="arabicPeriod"/>
-            </a:pPr>
-            <a:endParaRPr lang="en-US" dirty="0"/>
-          </a:p>
-          <a:p>
-            <a:endParaRPr lang="ru-RU" dirty="0"/>
+              <a:t>Source: </a:t>
+            </a:r>
+            <a:r>
+              <a:rPr lang="en-US" dirty="0">
+                <a:hlinkClick r:id="rId2"/>
+              </a:rPr>
+              <a:t>https://msdn.microsoft.com/en-us/magazine/jj991977.aspx</a:t>
+            </a:r>
+            <a:endParaRPr lang="en-US" dirty="0"/>
+          </a:p>
+          <a:p>
+            <a:r>
+              <a:rPr lang="en-US" dirty="0"/>
+              <a:t>Paragraph: Configure Context</a:t>
+            </a:r>
           </a:p>
         </p:txBody>
       </p:sp>
     </p:spTree>
     <p:extLst>
       <p:ext uri="{BB962C8B-B14F-4D97-AF65-F5344CB8AC3E}">
-        <p14:creationId xmlns:p14="http://schemas.microsoft.com/office/powerpoint/2010/main" val="2386486941"/>
+        <p14:creationId xmlns:p14="http://schemas.microsoft.com/office/powerpoint/2010/main" val="394744542"/>
       </p:ext>
     </p:extLst>
   </p:cSld>
@@ -7192,7 +8052,7 @@
 </p:sld>
 </file>
 
-<file path=ppt/slides/slide7.xml><?xml version="1.0" encoding="utf-8"?>
+<file path=ppt/slides/slide9.xml><?xml version="1.0" encoding="utf-8"?>
 <p:sld xmlns:a="http://schemas.openxmlformats.org/drawingml/2006/main" xmlns:r="http://schemas.openxmlformats.org/officeDocument/2006/relationships" xmlns:p="http://schemas.openxmlformats.org/presentationml/2006/main">
   <p:cSld>
     <p:spTree>
@@ -7221,114 +8081,50 @@
         </p:nvSpPr>
         <p:spPr>
           <a:xfrm>
-            <a:off x="1381674" y="46175"/>
-            <a:ext cx="10018713" cy="625764"/>
+            <a:off x="1484311" y="251689"/>
+            <a:ext cx="10018713" cy="1309256"/>
           </a:xfrm>
         </p:spPr>
         <p:txBody>
           <a:bodyPr>
-            <a:normAutofit fontScale="90000"/>
+            <a:normAutofit/>
           </a:bodyPr>
           <a:lstStyle/>
           <a:p>
             <a:r>
-              <a:rPr lang="en-US" dirty="0"/>
-              <a:t>When at last you “await”?</a:t>
-            </a:r>
-            <a:r>
-              <a:rPr lang="ru-RU" dirty="0"/>
-              <a:t> (</a:t>
-            </a:r>
-            <a:r>
-              <a:rPr lang="en-US" dirty="0"/>
-              <a:t>Part 2) </a:t>
-            </a:r>
-            <a:endParaRPr lang="ru-RU" dirty="0"/>
-          </a:p>
-        </p:txBody>
-      </p:sp>
-      <p:sp>
-        <p:nvSpPr>
-          <p:cNvPr id="9" name="TextBox 8"/>
-          <p:cNvSpPr txBox="1"/>
-          <p:nvPr/>
-        </p:nvSpPr>
-        <p:spPr>
-          <a:xfrm>
-            <a:off x="8478812" y="1026758"/>
-            <a:ext cx="3439486" cy="3416320"/>
-          </a:xfrm>
-          <a:prstGeom prst="rect">
-            <a:avLst/>
-          </a:prstGeom>
-          <a:noFill/>
-        </p:spPr>
-        <p:txBody>
-          <a:bodyPr wrap="square" rtlCol="0">
-            <a:spAutoFit/>
-          </a:bodyPr>
-          <a:lstStyle/>
-          <a:p>
-            <a:r>
-              <a:rPr lang="en-US" dirty="0"/>
-              <a:t>Goals:</a:t>
-            </a:r>
-          </a:p>
-          <a:p>
-            <a:pPr marL="342900" indent="-342900">
-              <a:buFont typeface="+mj-lt"/>
-              <a:buAutoNum type="arabicPeriod"/>
-            </a:pPr>
-            <a:r>
-              <a:rPr lang="en-US" dirty="0"/>
-              <a:t>I want to mix asynchronous and synchronous methods for better performance</a:t>
-            </a:r>
-            <a:endParaRPr lang="ru-RU" dirty="0"/>
-          </a:p>
-          <a:p>
-            <a:endParaRPr lang="en-US" dirty="0"/>
-          </a:p>
-          <a:p>
-            <a:r>
-              <a:rPr lang="en-US" dirty="0"/>
-              <a:t>Questions:</a:t>
-            </a:r>
-          </a:p>
-          <a:p>
-            <a:pPr marL="342900" indent="-342900">
-              <a:buFont typeface="+mj-lt"/>
-              <a:buAutoNum type="arabicPeriod"/>
-            </a:pPr>
-            <a:r>
-              <a:rPr lang="en-US" dirty="0"/>
-              <a:t>What problems does this code contains?</a:t>
-            </a:r>
-          </a:p>
-          <a:p>
-            <a:pPr marL="342900" indent="-342900">
-              <a:buFont typeface="+mj-lt"/>
-              <a:buAutoNum type="arabicPeriod"/>
-            </a:pPr>
-            <a:r>
-              <a:rPr lang="en-US" dirty="0"/>
-              <a:t>How we should resolve this problem?</a:t>
-            </a:r>
-          </a:p>
-          <a:p>
-            <a:pPr marL="342900" indent="-342900">
-              <a:buFont typeface="+mj-lt"/>
-              <a:buAutoNum type="arabicPeriod"/>
-            </a:pPr>
-            <a:endParaRPr lang="en-US" dirty="0"/>
-          </a:p>
-          <a:p>
-            <a:endParaRPr lang="ru-RU" dirty="0"/>
+              <a:rPr lang="en-US" sz="3600" dirty="0"/>
+              <a:t>Modification </a:t>
+            </a:r>
+            <a:r>
+              <a:rPr lang="en-US" sz="3600" dirty="0" err="1"/>
+              <a:t>HttpContext</a:t>
+            </a:r>
+            <a:r>
+              <a:rPr lang="en-US" sz="3600" dirty="0"/>
+              <a:t> &amp; </a:t>
+            </a:r>
+            <a:r>
+              <a:rPr lang="en-US" sz="3600" dirty="0" err="1"/>
+              <a:t>Async</a:t>
+            </a:r>
+            <a:r>
+              <a:rPr lang="en-US" sz="3600" dirty="0"/>
+              <a:t> Await (Part 2)</a:t>
+            </a:r>
+            <a:br>
+              <a:rPr lang="en-US" sz="3600" dirty="0"/>
+            </a:br>
+            <a:r>
+              <a:rPr lang="en-US" sz="2800" dirty="0"/>
+              <a:t>Examples context switch without "await"</a:t>
+            </a:r>
+            <a:endParaRPr lang="ru-RU" sz="2800" dirty="0"/>
           </a:p>
         </p:txBody>
       </p:sp>
       <p:pic>
         <p:nvPicPr>
-          <p:cNvPr id="3" name="Рисунок 2"/>
+          <p:cNvPr id="4" name="Рисунок 3"/>
           <p:cNvPicPr>
             <a:picLocks noChangeAspect="1"/>
           </p:cNvPicPr>
@@ -7342,8 +8138,32 @@
         </p:blipFill>
         <p:spPr>
           <a:xfrm>
-            <a:off x="1717577" y="779978"/>
-            <a:ext cx="4823182" cy="5966198"/>
+            <a:off x="504401" y="1560945"/>
+            <a:ext cx="5438775" cy="4857750"/>
+          </a:xfrm>
+          <a:prstGeom prst="rect">
+            <a:avLst/>
+          </a:prstGeom>
+        </p:spPr>
+      </p:pic>
+      <p:pic>
+        <p:nvPicPr>
+          <p:cNvPr id="6" name="Рисунок 5"/>
+          <p:cNvPicPr>
+            <a:picLocks noChangeAspect="1"/>
+          </p:cNvPicPr>
+          <p:nvPr/>
+        </p:nvPicPr>
+        <p:blipFill>
+          <a:blip r:embed="rId3"/>
+          <a:stretch>
+            <a:fillRect/>
+          </a:stretch>
+        </p:blipFill>
+        <p:spPr>
+          <a:xfrm>
+            <a:off x="6302152" y="1560945"/>
+            <a:ext cx="5695950" cy="3457575"/>
           </a:xfrm>
           <a:prstGeom prst="rect">
             <a:avLst/>
@@ -7353,7 +8173,7 @@
     </p:spTree>
     <p:extLst>
       <p:ext uri="{BB962C8B-B14F-4D97-AF65-F5344CB8AC3E}">
-        <p14:creationId xmlns:p14="http://schemas.microsoft.com/office/powerpoint/2010/main" val="894802718"/>
+        <p14:creationId xmlns:p14="http://schemas.microsoft.com/office/powerpoint/2010/main" val="365515660"/>
       </p:ext>
     </p:extLst>
   </p:cSld>

--- a/Async Await and their pitfalls.pptx
+++ b/Async Await and their pitfalls.pptx
@@ -627,7 +627,7 @@
             <a:fld id="{B61BEF0D-F0BB-DE4B-95CE-6DB70DBA9567}" type="datetimeFigureOut">
               <a:rPr lang="en-US" dirty="0"/>
               <a:pPr/>
-              <a:t>3/27/2017</a:t>
+              <a:t>3/28/2017</a:t>
             </a:fld>
             <a:endParaRPr lang="en-US" dirty="0"/>
           </a:p>
@@ -920,7 +920,7 @@
             <a:fld id="{B61BEF0D-F0BB-DE4B-95CE-6DB70DBA9567}" type="datetimeFigureOut">
               <a:rPr lang="en-US" dirty="0"/>
               <a:pPr/>
-              <a:t>3/27/2017</a:t>
+              <a:t>3/28/2017</a:t>
             </a:fld>
             <a:endParaRPr lang="en-US" dirty="0"/>
           </a:p>
@@ -1165,7 +1165,7 @@
             <a:fld id="{B61BEF0D-F0BB-DE4B-95CE-6DB70DBA9567}" type="datetimeFigureOut">
               <a:rPr lang="en-US" dirty="0"/>
               <a:pPr/>
-              <a:t>3/27/2017</a:t>
+              <a:t>3/28/2017</a:t>
             </a:fld>
             <a:endParaRPr lang="en-US" dirty="0"/>
           </a:p>
@@ -1702,7 +1702,7 @@
             <a:fld id="{B61BEF0D-F0BB-DE4B-95CE-6DB70DBA9567}" type="datetimeFigureOut">
               <a:rPr lang="en-US" dirty="0"/>
               <a:pPr/>
-              <a:t>3/27/2017</a:t>
+              <a:t>3/28/2017</a:t>
             </a:fld>
             <a:endParaRPr lang="en-US" dirty="0"/>
           </a:p>
@@ -1947,7 +1947,7 @@
             <a:fld id="{B61BEF0D-F0BB-DE4B-95CE-6DB70DBA9567}" type="datetimeFigureOut">
               <a:rPr lang="en-US" dirty="0"/>
               <a:pPr/>
-              <a:t>3/27/2017</a:t>
+              <a:t>3/28/2017</a:t>
             </a:fld>
             <a:endParaRPr lang="en-US" dirty="0"/>
           </a:p>
@@ -2476,7 +2476,7 @@
             <a:fld id="{B61BEF0D-F0BB-DE4B-95CE-6DB70DBA9567}" type="datetimeFigureOut">
               <a:rPr lang="en-US" dirty="0"/>
               <a:pPr/>
-              <a:t>3/27/2017</a:t>
+              <a:t>3/28/2017</a:t>
             </a:fld>
             <a:endParaRPr lang="en-US" dirty="0"/>
           </a:p>
@@ -2770,7 +2770,7 @@
             <a:fld id="{B61BEF0D-F0BB-DE4B-95CE-6DB70DBA9567}" type="datetimeFigureOut">
               <a:rPr lang="en-US" dirty="0"/>
               <a:pPr/>
-              <a:t>3/27/2017</a:t>
+              <a:t>3/28/2017</a:t>
             </a:fld>
             <a:endParaRPr lang="en-US" dirty="0"/>
           </a:p>
@@ -2941,7 +2941,7 @@
             <a:fld id="{B61BEF0D-F0BB-DE4B-95CE-6DB70DBA9567}" type="datetimeFigureOut">
               <a:rPr lang="en-US" dirty="0"/>
               <a:pPr/>
-              <a:t>3/27/2017</a:t>
+              <a:t>3/28/2017</a:t>
             </a:fld>
             <a:endParaRPr lang="en-US" dirty="0"/>
           </a:p>
@@ -3118,7 +3118,7 @@
             <a:fld id="{B61BEF0D-F0BB-DE4B-95CE-6DB70DBA9567}" type="datetimeFigureOut">
               <a:rPr lang="en-US" dirty="0"/>
               <a:pPr/>
-              <a:t>3/27/2017</a:t>
+              <a:t>3/28/2017</a:t>
             </a:fld>
             <a:endParaRPr lang="en-US" dirty="0"/>
           </a:p>
@@ -3326,7 +3326,7 @@
             <a:fld id="{B61BEF0D-F0BB-DE4B-95CE-6DB70DBA9567}" type="datetimeFigureOut">
               <a:rPr lang="en-US" dirty="0"/>
               <a:pPr/>
-              <a:t>3/27/2017</a:t>
+              <a:t>3/28/2017</a:t>
             </a:fld>
             <a:endParaRPr lang="en-US" dirty="0"/>
           </a:p>
@@ -3574,7 +3574,7 @@
             <a:fld id="{B61BEF0D-F0BB-DE4B-95CE-6DB70DBA9567}" type="datetimeFigureOut">
               <a:rPr lang="en-US" dirty="0"/>
               <a:pPr/>
-              <a:t>3/27/2017</a:t>
+              <a:t>3/28/2017</a:t>
             </a:fld>
             <a:endParaRPr lang="en-US" dirty="0"/>
           </a:p>
@@ -3918,7 +3918,7 @@
             <a:fld id="{B61BEF0D-F0BB-DE4B-95CE-6DB70DBA9567}" type="datetimeFigureOut">
               <a:rPr lang="en-US" dirty="0"/>
               <a:pPr/>
-              <a:t>3/27/2017</a:t>
+              <a:t>3/28/2017</a:t>
             </a:fld>
             <a:endParaRPr lang="en-US" dirty="0"/>
           </a:p>
@@ -4407,7 +4407,7 @@
             <a:fld id="{B61BEF0D-F0BB-DE4B-95CE-6DB70DBA9567}" type="datetimeFigureOut">
               <a:rPr lang="en-US" dirty="0"/>
               <a:pPr/>
-              <a:t>3/27/2017</a:t>
+              <a:t>3/28/2017</a:t>
             </a:fld>
             <a:endParaRPr lang="en-US" dirty="0"/>
           </a:p>
@@ -4522,7 +4522,7 @@
             <a:fld id="{B61BEF0D-F0BB-DE4B-95CE-6DB70DBA9567}" type="datetimeFigureOut">
               <a:rPr lang="en-US" dirty="0"/>
               <a:pPr/>
-              <a:t>3/27/2017</a:t>
+              <a:t>3/28/2017</a:t>
             </a:fld>
             <a:endParaRPr lang="en-US" dirty="0"/>
           </a:p>
@@ -4614,7 +4614,7 @@
             <a:fld id="{B61BEF0D-F0BB-DE4B-95CE-6DB70DBA9567}" type="datetimeFigureOut">
               <a:rPr lang="en-US" dirty="0"/>
               <a:pPr/>
-              <a:t>3/27/2017</a:t>
+              <a:t>3/28/2017</a:t>
             </a:fld>
             <a:endParaRPr lang="en-US" dirty="0"/>
           </a:p>
@@ -4894,7 +4894,7 @@
             <a:fld id="{B61BEF0D-F0BB-DE4B-95CE-6DB70DBA9567}" type="datetimeFigureOut">
               <a:rPr lang="en-US" dirty="0"/>
               <a:pPr/>
-              <a:t>3/27/2017</a:t>
+              <a:t>3/28/2017</a:t>
             </a:fld>
             <a:endParaRPr lang="en-US" dirty="0"/>
           </a:p>
@@ -5182,7 +5182,7 @@
             <a:fld id="{B61BEF0D-F0BB-DE4B-95CE-6DB70DBA9567}" type="datetimeFigureOut">
               <a:rPr lang="en-US" dirty="0"/>
               <a:pPr/>
-              <a:t>3/27/2017</a:t>
+              <a:t>3/28/2017</a:t>
             </a:fld>
             <a:endParaRPr lang="en-US" dirty="0"/>
           </a:p>
@@ -5709,7 +5709,7 @@
             <a:fld id="{B61BEF0D-F0BB-DE4B-95CE-6DB70DBA9567}" type="datetimeFigureOut">
               <a:rPr lang="en-US" dirty="0"/>
               <a:pPr/>
-              <a:t>3/27/2017</a:t>
+              <a:t>3/28/2017</a:t>
             </a:fld>
             <a:endParaRPr lang="en-US" dirty="0"/>
           </a:p>
@@ -6788,20 +6788,117 @@
           </a:p>
         </p:txBody>
       </p:sp>
-      <p:sp>
-        <p:nvSpPr>
-          <p:cNvPr id="3" name="Объект 2"/>
-          <p:cNvSpPr>
-            <a:spLocks noGrp="1"/>
-          </p:cNvSpPr>
-          <p:nvPr>
-            <p:ph idx="1"/>
-          </p:nvPr>
-        </p:nvSpPr>
-        <p:spPr/>
-        <p:txBody>
-          <a:bodyPr/>
+      <p:pic>
+        <p:nvPicPr>
+          <p:cNvPr id="4" name="Рисунок 3"/>
+          <p:cNvPicPr>
+            <a:picLocks noChangeAspect="1"/>
+          </p:cNvPicPr>
+          <p:nvPr/>
+        </p:nvPicPr>
+        <p:blipFill>
+          <a:blip r:embed="rId2"/>
+          <a:stretch>
+            <a:fillRect/>
+          </a:stretch>
+        </p:blipFill>
+        <p:spPr>
+          <a:xfrm>
+            <a:off x="1484311" y="1229010"/>
+            <a:ext cx="4648200" cy="5172075"/>
+          </a:xfrm>
+          <a:prstGeom prst="rect">
+            <a:avLst/>
+          </a:prstGeom>
+        </p:spPr>
+      </p:pic>
+      <p:sp>
+        <p:nvSpPr>
+          <p:cNvPr id="5" name="TextBox 4"/>
+          <p:cNvSpPr txBox="1"/>
+          <p:nvPr/>
+        </p:nvSpPr>
+        <p:spPr>
+          <a:xfrm>
+            <a:off x="7398157" y="1229010"/>
+            <a:ext cx="3611588" cy="3139321"/>
+          </a:xfrm>
+          <a:prstGeom prst="rect">
+            <a:avLst/>
+          </a:prstGeom>
+          <a:noFill/>
+        </p:spPr>
+        <p:txBody>
+          <a:bodyPr wrap="square" rtlCol="0">
+            <a:spAutoFit/>
+          </a:bodyPr>
           <a:lstStyle/>
+          <a:p>
+            <a:r>
+              <a:rPr lang="en-US" dirty="0"/>
+              <a:t>Goals:</a:t>
+            </a:r>
+          </a:p>
+          <a:p>
+            <a:endParaRPr lang="en-US" dirty="0"/>
+          </a:p>
+          <a:p>
+            <a:r>
+              <a:rPr lang="en-US" dirty="0"/>
+              <a:t>Questions:</a:t>
+            </a:r>
+          </a:p>
+          <a:p>
+            <a:pPr marL="342900" indent="-342900">
+              <a:buFont typeface="+mj-lt"/>
+              <a:buAutoNum type="arabicPeriod"/>
+            </a:pPr>
+            <a:r>
+              <a:rPr lang="en-US" dirty="0"/>
+              <a:t>How long the methods will execution?</a:t>
+            </a:r>
+          </a:p>
+          <a:p>
+            <a:pPr marL="342900" indent="-342900">
+              <a:buFont typeface="+mj-lt"/>
+              <a:buAutoNum type="arabicPeriod"/>
+            </a:pPr>
+            <a:r>
+              <a:rPr lang="en-US" dirty="0"/>
+              <a:t>What happens when I change </a:t>
+            </a:r>
+            <a:r>
+              <a:rPr lang="en-US" dirty="0" err="1"/>
+              <a:t>Task.Delay</a:t>
+            </a:r>
+            <a:r>
+              <a:rPr lang="en-US" dirty="0"/>
+              <a:t> on </a:t>
+            </a:r>
+            <a:r>
+              <a:rPr lang="en-US" dirty="0" err="1"/>
+              <a:t>HttpClient.Post</a:t>
+            </a:r>
+            <a:r>
+              <a:rPr lang="en-US" dirty="0"/>
+              <a:t> and set </a:t>
+            </a:r>
+            <a:r>
+              <a:rPr lang="en-US" dirty="0" err="1"/>
+              <a:t>maxCount</a:t>
+            </a:r>
+            <a:r>
+              <a:rPr lang="en-US" dirty="0"/>
+              <a:t> = 1000? (What problems)</a:t>
+            </a:r>
+          </a:p>
+          <a:p>
+            <a:pPr marL="342900" indent="-342900">
+              <a:buFont typeface="+mj-lt"/>
+              <a:buAutoNum type="arabicPeriod"/>
+            </a:pPr>
+            <a:endParaRPr lang="en-US" dirty="0"/>
+          </a:p>
           <a:p>
             <a:endParaRPr lang="ru-RU" dirty="0"/>
           </a:p>
@@ -7150,7 +7247,7 @@
             </a:pPr>
             <a:r>
               <a:rPr lang="en-US" dirty="0"/>
-              <a:t>How long the methods will execution?</a:t>
+              <a:t>How long methods will execution?</a:t>
             </a:r>
           </a:p>
           <a:p>
@@ -7402,7 +7499,7 @@
             </a:pPr>
             <a:r>
               <a:rPr lang="en-US" dirty="0"/>
-              <a:t>How long the methods will execution?</a:t>
+              <a:t>How long methods will execution?</a:t>
             </a:r>
           </a:p>
           <a:p>
@@ -7952,7 +8049,6 @@
               <a:rPr lang="en-US" dirty="0"/>
               <a:t> when you have code after the await in the method that needs the context.</a:t>
             </a:r>
-            <a:endParaRPr lang="en-US" dirty="0"/>
           </a:p>
           <a:p>
             <a:pPr marL="0" indent="0">

--- a/Async Await and their pitfalls.pptx
+++ b/Async Await and their pitfalls.pptx
@@ -12,12 +12,17 @@
     <p:sldId id="260" r:id="rId6"/>
     <p:sldId id="265" r:id="rId7"/>
     <p:sldId id="259" r:id="rId8"/>
-    <p:sldId id="266" r:id="rId9"/>
-    <p:sldId id="267" r:id="rId10"/>
+    <p:sldId id="267" r:id="rId9"/>
+    <p:sldId id="266" r:id="rId10"/>
     <p:sldId id="261" r:id="rId11"/>
     <p:sldId id="263" r:id="rId12"/>
-    <p:sldId id="268" r:id="rId13"/>
-    <p:sldId id="269" r:id="rId14"/>
+    <p:sldId id="273" r:id="rId13"/>
+    <p:sldId id="274" r:id="rId14"/>
+    <p:sldId id="276" r:id="rId15"/>
+    <p:sldId id="275" r:id="rId16"/>
+    <p:sldId id="269" r:id="rId17"/>
+    <p:sldId id="270" r:id="rId18"/>
+    <p:sldId id="271" r:id="rId19"/>
   </p:sldIdLst>
   <p:sldSz cx="12192000" cy="6858000"/>
   <p:notesSz cx="6858000" cy="9144000"/>
@@ -6580,7 +6585,7 @@
             </a:pPr>
             <a:r>
               <a:rPr lang="en-US" dirty="0"/>
-              <a:t>I want to mix asynchronous and synchronous methods for better performance</a:t>
+              <a:t>I want to mix asynchronous and synchronous methods for check result</a:t>
             </a:r>
             <a:endParaRPr lang="ru-RU" dirty="0"/>
           </a:p>
@@ -6691,47 +6696,158 @@
         </p:nvSpPr>
         <p:spPr>
           <a:xfrm>
-            <a:off x="1484311" y="316348"/>
-            <a:ext cx="10018713" cy="690418"/>
+            <a:off x="1484311" y="685801"/>
+            <a:ext cx="10018713" cy="838200"/>
+          </a:xfrm>
+        </p:spPr>
+        <p:txBody>
+          <a:bodyPr/>
+          <a:lstStyle/>
+          <a:p>
+            <a:r>
+              <a:rPr lang="en-US" dirty="0"/>
+              <a:t>Conclusion from slide</a:t>
+            </a:r>
+            <a:endParaRPr lang="ru-RU" dirty="0"/>
+          </a:p>
+        </p:txBody>
+      </p:sp>
+      <p:sp>
+        <p:nvSpPr>
+          <p:cNvPr id="3" name="Объект 2"/>
+          <p:cNvSpPr>
+            <a:spLocks noGrp="1"/>
+          </p:cNvSpPr>
+          <p:nvPr>
+            <p:ph idx="1"/>
+          </p:nvPr>
+        </p:nvSpPr>
+        <p:spPr>
+          <a:xfrm>
+            <a:off x="1484310" y="2001983"/>
+            <a:ext cx="10018713" cy="2182092"/>
           </a:xfrm>
         </p:spPr>
         <p:txBody>
           <a:bodyPr>
-            <a:normAutofit fontScale="90000"/>
+            <a:normAutofit/>
           </a:bodyPr>
           <a:lstStyle/>
           <a:p>
             <a:r>
               <a:rPr lang="en-US" dirty="0"/>
-              <a:t>Where I can’t use “await”?</a:t>
-            </a:r>
-            <a:endParaRPr lang="ru-RU" dirty="0"/>
-          </a:p>
-        </p:txBody>
-      </p:sp>
-      <p:sp>
-        <p:nvSpPr>
-          <p:cNvPr id="3" name="Объект 2"/>
-          <p:cNvSpPr>
-            <a:spLocks noGrp="1"/>
-          </p:cNvSpPr>
-          <p:nvPr>
-            <p:ph idx="1"/>
-          </p:nvPr>
-        </p:nvSpPr>
-        <p:spPr/>
-        <p:txBody>
-          <a:bodyPr/>
-          <a:lstStyle/>
-          <a:p>
-            <a:endParaRPr lang="ru-RU"/>
+              <a:t>Each </a:t>
+            </a:r>
+            <a:r>
+              <a:rPr lang="en-US" dirty="0" err="1"/>
+              <a:t>async</a:t>
+            </a:r>
+            <a:r>
+              <a:rPr lang="en-US" dirty="0"/>
+              <a:t> method has its own context, so if one </a:t>
+            </a:r>
+            <a:r>
+              <a:rPr lang="en-US" dirty="0" err="1"/>
+              <a:t>async</a:t>
+            </a:r>
+            <a:r>
+              <a:rPr lang="en-US" dirty="0"/>
+              <a:t> method calls another </a:t>
+            </a:r>
+            <a:r>
+              <a:rPr lang="en-US" dirty="0" err="1"/>
+              <a:t>async</a:t>
+            </a:r>
+            <a:r>
+              <a:rPr lang="en-US" dirty="0"/>
+              <a:t> method, their contexts are independent. </a:t>
+            </a:r>
+          </a:p>
+          <a:p>
+            <a:r>
+              <a:rPr lang="en-US" dirty="0"/>
+              <a:t>When you write "Facade" over Task based method you should throwing Task&lt;T&gt; without use "</a:t>
+            </a:r>
+            <a:r>
+              <a:rPr lang="en-US" dirty="0" err="1"/>
+              <a:t>async</a:t>
+            </a:r>
+            <a:r>
+              <a:rPr lang="en-US" dirty="0"/>
+              <a:t> await" on top level. </a:t>
+            </a:r>
+            <a:endParaRPr lang="en-US" dirty="0"/>
+          </a:p>
+        </p:txBody>
+      </p:sp>
+      <p:sp>
+        <p:nvSpPr>
+          <p:cNvPr id="6" name="TextBox 5"/>
+          <p:cNvSpPr txBox="1"/>
+          <p:nvPr/>
+        </p:nvSpPr>
+        <p:spPr>
+          <a:xfrm>
+            <a:off x="1733691" y="5151687"/>
+            <a:ext cx="10449072" cy="1200329"/>
+          </a:xfrm>
+          <a:prstGeom prst="rect">
+            <a:avLst/>
+          </a:prstGeom>
+          <a:noFill/>
+        </p:spPr>
+        <p:txBody>
+          <a:bodyPr wrap="square" rtlCol="0">
+            <a:spAutoFit/>
+          </a:bodyPr>
+          <a:lstStyle/>
+          <a:p>
+            <a:r>
+              <a:rPr lang="en-US" dirty="0"/>
+              <a:t>Source:</a:t>
+            </a:r>
+          </a:p>
+          <a:p>
+            <a:pPr marL="285750" indent="-285750">
+              <a:buFont typeface="Arial" panose="020B0604020202020204" pitchFamily="34" charset="0"/>
+              <a:buChar char="•"/>
+            </a:pPr>
+            <a:r>
+              <a:rPr lang="en-US" dirty="0">
+                <a:hlinkClick r:id="rId2"/>
+              </a:rPr>
+              <a:t>https://msdn.microsoft.com/en-us/magazine/jj991977.aspx</a:t>
+            </a:r>
+            <a:r>
+              <a:rPr lang="en-US" dirty="0"/>
+              <a:t> (Paragraph: Configure Context)</a:t>
+            </a:r>
+          </a:p>
+          <a:p>
+            <a:r>
+              <a:rPr lang="en-US" dirty="0"/>
+              <a:t>Example:</a:t>
+            </a:r>
+          </a:p>
+          <a:p>
+            <a:pPr marL="285750" indent="-285750">
+              <a:buFont typeface="Arial" panose="020B0604020202020204" pitchFamily="34" charset="0"/>
+              <a:buChar char="•"/>
+            </a:pPr>
+            <a:r>
+              <a:rPr lang="en-US" dirty="0">
+                <a:hlinkClick r:id="rId3"/>
+              </a:rPr>
+              <a:t>https://github.com/dotnet/corefx/blob/master/src/System.Net.Http/src/System/Net/Http/HttpClient.cs</a:t>
+            </a:r>
+            <a:endParaRPr lang="en-US" dirty="0"/>
           </a:p>
         </p:txBody>
       </p:sp>
     </p:spTree>
     <p:extLst>
       <p:ext uri="{BB962C8B-B14F-4D97-AF65-F5344CB8AC3E}">
-        <p14:creationId xmlns:p14="http://schemas.microsoft.com/office/powerpoint/2010/main" val="4084537470"/>
+        <p14:creationId xmlns:p14="http://schemas.microsoft.com/office/powerpoint/2010/main" val="419685139"/>
       </p:ext>
     </p:extLst>
   </p:cSld>
@@ -6770,8 +6886,506 @@
         </p:nvSpPr>
         <p:spPr>
           <a:xfrm>
-            <a:off x="1484311" y="316348"/>
-            <a:ext cx="10018713" cy="690418"/>
+            <a:off x="1484311" y="110835"/>
+            <a:ext cx="10018713" cy="1597891"/>
+          </a:xfrm>
+        </p:spPr>
+        <p:txBody>
+          <a:bodyPr>
+            <a:normAutofit/>
+          </a:bodyPr>
+          <a:lstStyle/>
+          <a:p>
+            <a:r>
+              <a:rPr lang="en-US" sz="3600" dirty="0"/>
+              <a:t>What happens when I combining "await" and synchronization primitives. (Part 1)</a:t>
+            </a:r>
+            <a:endParaRPr lang="ru-RU" sz="3600" dirty="0"/>
+          </a:p>
+        </p:txBody>
+      </p:sp>
+      <p:sp>
+        <p:nvSpPr>
+          <p:cNvPr id="5" name="TextBox 4"/>
+          <p:cNvSpPr txBox="1"/>
+          <p:nvPr/>
+        </p:nvSpPr>
+        <p:spPr>
+          <a:xfrm>
+            <a:off x="7241581" y="1932593"/>
+            <a:ext cx="3611588" cy="2862322"/>
+          </a:xfrm>
+          <a:prstGeom prst="rect">
+            <a:avLst/>
+          </a:prstGeom>
+          <a:noFill/>
+        </p:spPr>
+        <p:txBody>
+          <a:bodyPr wrap="square" rtlCol="0">
+            <a:spAutoFit/>
+          </a:bodyPr>
+          <a:lstStyle/>
+          <a:p>
+            <a:r>
+              <a:rPr lang="en-US" dirty="0"/>
+              <a:t>Goals:</a:t>
+            </a:r>
+          </a:p>
+          <a:p>
+            <a:endParaRPr lang="en-US" dirty="0"/>
+          </a:p>
+          <a:p>
+            <a:pPr marL="342900" indent="-342900">
+              <a:buFont typeface="+mj-lt"/>
+              <a:buAutoNum type="arabicPeriod"/>
+            </a:pPr>
+            <a:r>
+              <a:rPr lang="en-US" dirty="0"/>
+              <a:t>We have a shared resource access to which via Lock</a:t>
+            </a:r>
+            <a:endParaRPr lang="ru-RU" dirty="0"/>
+          </a:p>
+          <a:p>
+            <a:endParaRPr lang="ru-RU" dirty="0"/>
+          </a:p>
+          <a:p>
+            <a:r>
+              <a:rPr lang="en-US" dirty="0"/>
+              <a:t>Questions:</a:t>
+            </a:r>
+          </a:p>
+          <a:p>
+            <a:endParaRPr lang="en-US" dirty="0"/>
+          </a:p>
+          <a:p>
+            <a:pPr marL="342900" indent="-342900">
+              <a:buFont typeface="+mj-lt"/>
+              <a:buAutoNum type="arabicPeriod"/>
+            </a:pPr>
+            <a:r>
+              <a:rPr lang="en-US" dirty="0"/>
+              <a:t>Which method will work?</a:t>
+            </a:r>
+          </a:p>
+          <a:p>
+            <a:pPr marL="342900" indent="-342900">
+              <a:buFont typeface="+mj-lt"/>
+              <a:buAutoNum type="arabicPeriod"/>
+            </a:pPr>
+            <a:r>
+              <a:rPr lang="en-US" dirty="0"/>
+              <a:t>How long the methods will execution?</a:t>
+            </a:r>
+            <a:endParaRPr lang="ru-RU" dirty="0"/>
+          </a:p>
+        </p:txBody>
+      </p:sp>
+      <p:pic>
+        <p:nvPicPr>
+          <p:cNvPr id="6" name="Рисунок 5"/>
+          <p:cNvPicPr>
+            <a:picLocks noChangeAspect="1"/>
+          </p:cNvPicPr>
+          <p:nvPr/>
+        </p:nvPicPr>
+        <p:blipFill>
+          <a:blip r:embed="rId2"/>
+          <a:stretch>
+            <a:fillRect/>
+          </a:stretch>
+        </p:blipFill>
+        <p:spPr>
+          <a:xfrm>
+            <a:off x="1934002" y="1708726"/>
+            <a:ext cx="4657725" cy="4972050"/>
+          </a:xfrm>
+          <a:prstGeom prst="rect">
+            <a:avLst/>
+          </a:prstGeom>
+        </p:spPr>
+      </p:pic>
+    </p:spTree>
+    <p:extLst>
+      <p:ext uri="{BB962C8B-B14F-4D97-AF65-F5344CB8AC3E}">
+        <p14:creationId xmlns:p14="http://schemas.microsoft.com/office/powerpoint/2010/main" val="1477021129"/>
+      </p:ext>
+    </p:extLst>
+  </p:cSld>
+  <p:clrMapOvr>
+    <a:masterClrMapping/>
+  </p:clrMapOvr>
+</p:sld>
+</file>
+
+<file path=ppt/slides/slide14.xml><?xml version="1.0" encoding="utf-8"?>
+<p:sld xmlns:a="http://schemas.openxmlformats.org/drawingml/2006/main" xmlns:r="http://schemas.openxmlformats.org/officeDocument/2006/relationships" xmlns:p="http://schemas.openxmlformats.org/presentationml/2006/main">
+  <p:cSld>
+    <p:spTree>
+      <p:nvGrpSpPr>
+        <p:cNvPr id="1" name=""/>
+        <p:cNvGrpSpPr/>
+        <p:nvPr/>
+      </p:nvGrpSpPr>
+      <p:grpSpPr>
+        <a:xfrm>
+          <a:off x="0" y="0"/>
+          <a:ext cx="0" cy="0"/>
+          <a:chOff x="0" y="0"/>
+          <a:chExt cx="0" cy="0"/>
+        </a:xfrm>
+      </p:grpSpPr>
+      <p:sp>
+        <p:nvSpPr>
+          <p:cNvPr id="2" name="Заголовок 1"/>
+          <p:cNvSpPr>
+            <a:spLocks noGrp="1"/>
+          </p:cNvSpPr>
+          <p:nvPr>
+            <p:ph type="title"/>
+          </p:nvPr>
+        </p:nvSpPr>
+        <p:spPr>
+          <a:xfrm>
+            <a:off x="1484311" y="110835"/>
+            <a:ext cx="10018713" cy="1597891"/>
+          </a:xfrm>
+        </p:spPr>
+        <p:txBody>
+          <a:bodyPr>
+            <a:normAutofit/>
+          </a:bodyPr>
+          <a:lstStyle/>
+          <a:p>
+            <a:r>
+              <a:rPr lang="en-US" sz="3600" dirty="0"/>
+              <a:t>What happens when I combining "await" and synchronization primitives. (Part 2)</a:t>
+            </a:r>
+            <a:endParaRPr lang="ru-RU" sz="3600" dirty="0"/>
+          </a:p>
+        </p:txBody>
+      </p:sp>
+      <p:pic>
+        <p:nvPicPr>
+          <p:cNvPr id="3" name="Рисунок 2"/>
+          <p:cNvPicPr>
+            <a:picLocks noChangeAspect="1"/>
+          </p:cNvPicPr>
+          <p:nvPr/>
+        </p:nvPicPr>
+        <p:blipFill>
+          <a:blip r:embed="rId2"/>
+          <a:stretch>
+            <a:fillRect/>
+          </a:stretch>
+        </p:blipFill>
+        <p:spPr>
+          <a:xfrm>
+            <a:off x="1484311" y="1910209"/>
+            <a:ext cx="5416943" cy="3622373"/>
+          </a:xfrm>
+          <a:prstGeom prst="rect">
+            <a:avLst/>
+          </a:prstGeom>
+        </p:spPr>
+      </p:pic>
+    </p:spTree>
+    <p:extLst>
+      <p:ext uri="{BB962C8B-B14F-4D97-AF65-F5344CB8AC3E}">
+        <p14:creationId xmlns:p14="http://schemas.microsoft.com/office/powerpoint/2010/main" val="3084065631"/>
+      </p:ext>
+    </p:extLst>
+  </p:cSld>
+  <p:clrMapOvr>
+    <a:masterClrMapping/>
+  </p:clrMapOvr>
+</p:sld>
+</file>
+
+<file path=ppt/slides/slide15.xml><?xml version="1.0" encoding="utf-8"?>
+<p:sld xmlns:a="http://schemas.openxmlformats.org/drawingml/2006/main" xmlns:r="http://schemas.openxmlformats.org/officeDocument/2006/relationships" xmlns:p="http://schemas.openxmlformats.org/presentationml/2006/main">
+  <p:cSld>
+    <p:spTree>
+      <p:nvGrpSpPr>
+        <p:cNvPr id="1" name=""/>
+        <p:cNvGrpSpPr/>
+        <p:nvPr/>
+      </p:nvGrpSpPr>
+      <p:grpSpPr>
+        <a:xfrm>
+          <a:off x="0" y="0"/>
+          <a:ext cx="0" cy="0"/>
+          <a:chOff x="0" y="0"/>
+          <a:chExt cx="0" cy="0"/>
+        </a:xfrm>
+      </p:grpSpPr>
+      <p:sp>
+        <p:nvSpPr>
+          <p:cNvPr id="2" name="Заголовок 1"/>
+          <p:cNvSpPr>
+            <a:spLocks noGrp="1"/>
+          </p:cNvSpPr>
+          <p:nvPr>
+            <p:ph type="title"/>
+          </p:nvPr>
+        </p:nvSpPr>
+        <p:spPr>
+          <a:xfrm>
+            <a:off x="1484311" y="685801"/>
+            <a:ext cx="10018713" cy="838200"/>
+          </a:xfrm>
+        </p:spPr>
+        <p:txBody>
+          <a:bodyPr/>
+          <a:lstStyle/>
+          <a:p>
+            <a:r>
+              <a:rPr lang="en-US" dirty="0"/>
+              <a:t>Conclusion from slide</a:t>
+            </a:r>
+            <a:endParaRPr lang="ru-RU" dirty="0"/>
+          </a:p>
+        </p:txBody>
+      </p:sp>
+      <p:sp>
+        <p:nvSpPr>
+          <p:cNvPr id="3" name="Объект 2"/>
+          <p:cNvSpPr>
+            <a:spLocks noGrp="1"/>
+          </p:cNvSpPr>
+          <p:nvPr>
+            <p:ph idx="1"/>
+          </p:nvPr>
+        </p:nvSpPr>
+        <p:spPr>
+          <a:xfrm>
+            <a:off x="1484310" y="1985816"/>
+            <a:ext cx="10018713" cy="2641601"/>
+          </a:xfrm>
+        </p:spPr>
+        <p:txBody>
+          <a:bodyPr>
+            <a:normAutofit fontScale="92500" lnSpcReduction="20000"/>
+          </a:bodyPr>
+          <a:lstStyle/>
+          <a:p>
+            <a:r>
+              <a:rPr lang="en-US" sz="2600" dirty="0"/>
+              <a:t>You can’t use await inside of a lock/</a:t>
+            </a:r>
+            <a:r>
+              <a:rPr lang="en-US" sz="2600" dirty="0" err="1"/>
+              <a:t>SyncLock</a:t>
+            </a:r>
+            <a:r>
+              <a:rPr lang="en-US" sz="2600" dirty="0"/>
+              <a:t> block.</a:t>
+            </a:r>
+          </a:p>
+          <a:p>
+            <a:r>
+              <a:rPr lang="en-US" sz="2600" dirty="0"/>
+              <a:t>You can also read about building a variety of custom </a:t>
+            </a:r>
+            <a:r>
+              <a:rPr lang="en-US" sz="2600" dirty="0" err="1"/>
+              <a:t>async</a:t>
+            </a:r>
+            <a:r>
+              <a:rPr lang="en-US" sz="2600" dirty="0"/>
+              <a:t> synchronization primitives at:</a:t>
+            </a:r>
+          </a:p>
+          <a:p>
+            <a:pPr marL="0" indent="0">
+              <a:buNone/>
+            </a:pPr>
+            <a:endParaRPr lang="en-US" dirty="0"/>
+          </a:p>
+          <a:p>
+            <a:pPr marL="0" indent="0">
+              <a:buNone/>
+            </a:pPr>
+            <a:r>
+              <a:rPr lang="en-US" sz="1400" dirty="0"/>
+              <a:t>Building </a:t>
+            </a:r>
+            <a:r>
+              <a:rPr lang="en-US" sz="1400" dirty="0" err="1"/>
+              <a:t>Async</a:t>
+            </a:r>
+            <a:r>
+              <a:rPr lang="en-US" sz="1400" dirty="0"/>
+              <a:t> Coordination Primitives, Part 1: </a:t>
+            </a:r>
+            <a:r>
+              <a:rPr lang="en-US" sz="1400" dirty="0" err="1"/>
+              <a:t>AsyncManualResetEvent</a:t>
+            </a:r>
+            <a:endParaRPr lang="en-US" sz="1400" dirty="0"/>
+          </a:p>
+          <a:p>
+            <a:pPr marL="0" indent="0">
+              <a:buNone/>
+            </a:pPr>
+            <a:r>
+              <a:rPr lang="en-US" sz="1400" dirty="0"/>
+              <a:t>...</a:t>
+            </a:r>
+          </a:p>
+          <a:p>
+            <a:pPr marL="0" indent="0">
+              <a:buNone/>
+            </a:pPr>
+            <a:r>
+              <a:rPr lang="en-US" sz="1400" dirty="0"/>
+              <a:t>Building </a:t>
+            </a:r>
+            <a:r>
+              <a:rPr lang="en-US" sz="1400" dirty="0" err="1"/>
+              <a:t>Async</a:t>
+            </a:r>
+            <a:r>
+              <a:rPr lang="en-US" sz="1400" dirty="0"/>
+              <a:t> Coordination Primitives, Part 6: </a:t>
+            </a:r>
+            <a:r>
+              <a:rPr lang="en-US" sz="1400" dirty="0" err="1"/>
+              <a:t>AsyncLock</a:t>
+            </a:r>
+            <a:endParaRPr lang="en-US" sz="1400" dirty="0"/>
+          </a:p>
+          <a:p>
+            <a:pPr marL="0" indent="0">
+              <a:buNone/>
+            </a:pPr>
+            <a:r>
+              <a:rPr lang="en-US" sz="1400" dirty="0"/>
+              <a:t>Building </a:t>
+            </a:r>
+            <a:r>
+              <a:rPr lang="en-US" sz="1400" dirty="0" err="1"/>
+              <a:t>Async</a:t>
+            </a:r>
+            <a:r>
+              <a:rPr lang="en-US" sz="1400" dirty="0"/>
+              <a:t> Coordination Primitives, Part 7: </a:t>
+            </a:r>
+            <a:r>
+              <a:rPr lang="en-US" sz="1400" dirty="0" err="1"/>
+              <a:t>AsyncReaderWriterLock</a:t>
+            </a:r>
+            <a:endParaRPr lang="en-US" sz="1400" dirty="0"/>
+          </a:p>
+        </p:txBody>
+      </p:sp>
+      <p:sp>
+        <p:nvSpPr>
+          <p:cNvPr id="6" name="TextBox 5"/>
+          <p:cNvSpPr txBox="1"/>
+          <p:nvPr/>
+        </p:nvSpPr>
+        <p:spPr>
+          <a:xfrm>
+            <a:off x="1791854" y="5151687"/>
+            <a:ext cx="10400145" cy="1477328"/>
+          </a:xfrm>
+          <a:prstGeom prst="rect">
+            <a:avLst/>
+          </a:prstGeom>
+          <a:noFill/>
+        </p:spPr>
+        <p:txBody>
+          <a:bodyPr wrap="square" rtlCol="0">
+            <a:spAutoFit/>
+          </a:bodyPr>
+          <a:lstStyle/>
+          <a:p>
+            <a:r>
+              <a:rPr lang="en-US" dirty="0"/>
+              <a:t>Source:</a:t>
+            </a:r>
+          </a:p>
+          <a:p>
+            <a:pPr marL="285750" indent="-285750">
+              <a:buFont typeface="Arial" panose="020B0604020202020204" pitchFamily="34" charset="0"/>
+              <a:buChar char="•"/>
+            </a:pPr>
+            <a:r>
+              <a:rPr lang="en-US" dirty="0">
+                <a:hlinkClick r:id="rId2"/>
+              </a:rPr>
+              <a:t>https://blogs.msdn.microsoft.com/pfxteam/2012/04/12/asyncawait-faq/</a:t>
+            </a:r>
+            <a:r>
+              <a:rPr lang="en-US" dirty="0"/>
+              <a:t> (Where can’t I use “await”?)</a:t>
+            </a:r>
+          </a:p>
+          <a:p>
+            <a:r>
+              <a:rPr lang="en-US" dirty="0"/>
+              <a:t>Example:</a:t>
+            </a:r>
+          </a:p>
+          <a:p>
+            <a:pPr marL="285750" indent="-285750">
+              <a:buFont typeface="Arial" panose="020B0604020202020204" pitchFamily="34" charset="0"/>
+              <a:buChar char="•"/>
+            </a:pPr>
+            <a:r>
+              <a:rPr lang="en-US" dirty="0">
+                <a:hlinkClick r:id="rId3"/>
+              </a:rPr>
+              <a:t>https://blogs.msdn.microsoft.com/pfxteam/2012/02/12/building-async-coordination-primitives-part-6-asynclock/</a:t>
+            </a:r>
+            <a:endParaRPr lang="en-US" dirty="0"/>
+          </a:p>
+        </p:txBody>
+      </p:sp>
+    </p:spTree>
+    <p:extLst>
+      <p:ext uri="{BB962C8B-B14F-4D97-AF65-F5344CB8AC3E}">
+        <p14:creationId xmlns:p14="http://schemas.microsoft.com/office/powerpoint/2010/main" val="3096134277"/>
+      </p:ext>
+    </p:extLst>
+  </p:cSld>
+  <p:clrMapOvr>
+    <a:masterClrMapping/>
+  </p:clrMapOvr>
+</p:sld>
+</file>
+
+<file path=ppt/slides/slide16.xml><?xml version="1.0" encoding="utf-8"?>
+<p:sld xmlns:a="http://schemas.openxmlformats.org/drawingml/2006/main" xmlns:r="http://schemas.openxmlformats.org/officeDocument/2006/relationships" xmlns:p="http://schemas.openxmlformats.org/presentationml/2006/main">
+  <p:cSld>
+    <p:spTree>
+      <p:nvGrpSpPr>
+        <p:cNvPr id="1" name=""/>
+        <p:cNvGrpSpPr/>
+        <p:nvPr/>
+      </p:nvGrpSpPr>
+      <p:grpSpPr>
+        <a:xfrm>
+          <a:off x="0" y="0"/>
+          <a:ext cx="0" cy="0"/>
+          <a:chOff x="0" y="0"/>
+          <a:chExt cx="0" cy="0"/>
+        </a:xfrm>
+      </p:grpSpPr>
+      <p:sp>
+        <p:nvSpPr>
+          <p:cNvPr id="2" name="Заголовок 1"/>
+          <p:cNvSpPr>
+            <a:spLocks noGrp="1"/>
+          </p:cNvSpPr>
+          <p:nvPr>
+            <p:ph type="title"/>
+          </p:nvPr>
+        </p:nvSpPr>
+        <p:spPr>
+          <a:xfrm>
+            <a:off x="1484311" y="159333"/>
+            <a:ext cx="10018713" cy="1032161"/>
           </a:xfrm>
         </p:spPr>
         <p:txBody>
@@ -6782,9 +7396,13 @@
           <a:p>
             <a:r>
               <a:rPr lang="en-US" dirty="0"/>
-              <a:t>What happens when I combining "await" and loop.</a:t>
-            </a:r>
-            <a:endParaRPr lang="ru-RU" dirty="0"/>
+              <a:t>What happens when I combining "await" and loop? </a:t>
+            </a:r>
+            <a:r>
+              <a:rPr lang="en-US" sz="3100" dirty="0"/>
+              <a:t>(Part 1)</a:t>
+            </a:r>
+            <a:endParaRPr lang="ru-RU" sz="3100" dirty="0"/>
           </a:p>
         </p:txBody>
       </p:sp>
@@ -6821,7 +7439,7 @@
         <p:spPr>
           <a:xfrm>
             <a:off x="7398157" y="1229010"/>
-            <a:ext cx="3611588" cy="3139321"/>
+            <a:ext cx="3611588" cy="4524315"/>
           </a:xfrm>
           <a:prstGeom prst="rect">
             <a:avLst/>
@@ -6843,20 +7461,27 @@
             <a:endParaRPr lang="en-US" dirty="0"/>
           </a:p>
           <a:p>
-            <a:r>
-              <a:rPr lang="en-US" dirty="0"/>
-              <a:t>Questions:</a:t>
-            </a:r>
-          </a:p>
-          <a:p>
             <a:pPr marL="342900" indent="-342900">
               <a:buFont typeface="+mj-lt"/>
               <a:buAutoNum type="arabicPeriod"/>
             </a:pPr>
             <a:r>
               <a:rPr lang="en-US" dirty="0"/>
-              <a:t>How long the methods will execution?</a:t>
-            </a:r>
+              <a:t>I want to call methods based on Task asynchronously and parallelly.</a:t>
+            </a:r>
+            <a:endParaRPr lang="en-US" dirty="0"/>
+          </a:p>
+          <a:p>
+            <a:endParaRPr lang="en-US" dirty="0"/>
+          </a:p>
+          <a:p>
+            <a:r>
+              <a:rPr lang="en-US" dirty="0"/>
+              <a:t>Questions:</a:t>
+            </a:r>
+          </a:p>
+          <a:p>
+            <a:endParaRPr lang="en-US" dirty="0"/>
           </a:p>
           <a:p>
             <a:pPr marL="342900" indent="-342900">
@@ -6865,31 +7490,7 @@
             </a:pPr>
             <a:r>
               <a:rPr lang="en-US" dirty="0"/>
-              <a:t>What happens when I change </a:t>
-            </a:r>
-            <a:r>
-              <a:rPr lang="en-US" dirty="0" err="1"/>
-              <a:t>Task.Delay</a:t>
-            </a:r>
-            <a:r>
-              <a:rPr lang="en-US" dirty="0"/>
-              <a:t> on </a:t>
-            </a:r>
-            <a:r>
-              <a:rPr lang="en-US" dirty="0" err="1"/>
-              <a:t>HttpClient.Post</a:t>
-            </a:r>
-            <a:r>
-              <a:rPr lang="en-US" dirty="0"/>
-              <a:t> and set </a:t>
-            </a:r>
-            <a:r>
-              <a:rPr lang="en-US" dirty="0" err="1"/>
-              <a:t>maxCount</a:t>
-            </a:r>
-            <a:r>
-              <a:rPr lang="en-US" dirty="0"/>
-              <a:t> = 1000? (What problems)</a:t>
+              <a:t>How long the methods will execution?</a:t>
             </a:r>
           </a:p>
           <a:p>
@@ -6897,6 +7498,48 @@
               <a:buFont typeface="+mj-lt"/>
               <a:buAutoNum type="arabicPeriod"/>
             </a:pPr>
+            <a:r>
+              <a:rPr lang="en-US" dirty="0"/>
+              <a:t>What happens when I change </a:t>
+            </a:r>
+            <a:r>
+              <a:rPr lang="en-US" dirty="0" err="1"/>
+              <a:t>Task.Delay</a:t>
+            </a:r>
+            <a:r>
+              <a:rPr lang="en-US" dirty="0"/>
+              <a:t> on </a:t>
+            </a:r>
+            <a:r>
+              <a:rPr lang="en-US" dirty="0" err="1"/>
+              <a:t>HttpClient.Post</a:t>
+            </a:r>
+            <a:r>
+              <a:rPr lang="en-US" dirty="0"/>
+              <a:t> and set </a:t>
+            </a:r>
+            <a:r>
+              <a:rPr lang="en-US" dirty="0" err="1"/>
+              <a:t>maxCount</a:t>
+            </a:r>
+            <a:r>
+              <a:rPr lang="en-US" dirty="0"/>
+              <a:t> = 1000? (</a:t>
+            </a:r>
+            <a:r>
+              <a:rPr lang="en-US" dirty="0"/>
+              <a:t>What problems do you know?</a:t>
+            </a:r>
+            <a:r>
+              <a:rPr lang="en-US" dirty="0"/>
+              <a:t>)</a:t>
+            </a:r>
+          </a:p>
+          <a:p>
+            <a:pPr marL="342900" indent="-342900">
+              <a:buFont typeface="+mj-lt"/>
+              <a:buAutoNum type="arabicPeriod"/>
+            </a:pPr>
             <a:endParaRPr lang="en-US" dirty="0"/>
           </a:p>
           <a:p>
@@ -6908,6 +7551,350 @@
     <p:extLst>
       <p:ext uri="{BB962C8B-B14F-4D97-AF65-F5344CB8AC3E}">
         <p14:creationId xmlns:p14="http://schemas.microsoft.com/office/powerpoint/2010/main" val="4269881390"/>
+      </p:ext>
+    </p:extLst>
+  </p:cSld>
+  <p:clrMapOvr>
+    <a:masterClrMapping/>
+  </p:clrMapOvr>
+</p:sld>
+</file>
+
+<file path=ppt/slides/slide17.xml><?xml version="1.0" encoding="utf-8"?>
+<p:sld xmlns:a="http://schemas.openxmlformats.org/drawingml/2006/main" xmlns:r="http://schemas.openxmlformats.org/officeDocument/2006/relationships" xmlns:p="http://schemas.openxmlformats.org/presentationml/2006/main">
+  <p:cSld>
+    <p:spTree>
+      <p:nvGrpSpPr>
+        <p:cNvPr id="1" name=""/>
+        <p:cNvGrpSpPr/>
+        <p:nvPr/>
+      </p:nvGrpSpPr>
+      <p:grpSpPr>
+        <a:xfrm>
+          <a:off x="0" y="0"/>
+          <a:ext cx="0" cy="0"/>
+          <a:chOff x="0" y="0"/>
+          <a:chExt cx="0" cy="0"/>
+        </a:xfrm>
+      </p:grpSpPr>
+      <p:sp>
+        <p:nvSpPr>
+          <p:cNvPr id="2" name="Заголовок 1"/>
+          <p:cNvSpPr>
+            <a:spLocks noGrp="1"/>
+          </p:cNvSpPr>
+          <p:nvPr>
+            <p:ph type="title"/>
+          </p:nvPr>
+        </p:nvSpPr>
+        <p:spPr>
+          <a:xfrm>
+            <a:off x="1484311" y="159334"/>
+            <a:ext cx="10018713" cy="616522"/>
+          </a:xfrm>
+        </p:spPr>
+        <p:txBody>
+          <a:bodyPr>
+            <a:normAutofit fontScale="90000"/>
+          </a:bodyPr>
+          <a:lstStyle/>
+          <a:p>
+            <a:r>
+              <a:rPr lang="en-US" sz="3600" dirty="0"/>
+              <a:t>Implementing a simple </a:t>
+            </a:r>
+            <a:r>
+              <a:rPr lang="en-US" sz="3600" dirty="0" err="1"/>
+              <a:t>ForEachAsync</a:t>
+            </a:r>
+            <a:r>
+              <a:rPr lang="en-US" sz="3600" dirty="0"/>
+              <a:t> </a:t>
+            </a:r>
+            <a:r>
+              <a:rPr lang="en-US" sz="3600" dirty="0"/>
+              <a:t>(Part 2)</a:t>
+            </a:r>
+            <a:endParaRPr lang="ru-RU" sz="3600" dirty="0"/>
+          </a:p>
+        </p:txBody>
+      </p:sp>
+      <p:pic>
+        <p:nvPicPr>
+          <p:cNvPr id="7" name="Рисунок 6"/>
+          <p:cNvPicPr>
+            <a:picLocks noChangeAspect="1"/>
+          </p:cNvPicPr>
+          <p:nvPr/>
+        </p:nvPicPr>
+        <p:blipFill>
+          <a:blip r:embed="rId2"/>
+          <a:stretch>
+            <a:fillRect/>
+          </a:stretch>
+        </p:blipFill>
+        <p:spPr>
+          <a:xfrm>
+            <a:off x="6380884" y="1106993"/>
+            <a:ext cx="5491030" cy="4891241"/>
+          </a:xfrm>
+          <a:prstGeom prst="rect">
+            <a:avLst/>
+          </a:prstGeom>
+        </p:spPr>
+      </p:pic>
+      <p:sp>
+        <p:nvSpPr>
+          <p:cNvPr id="8" name="Прямоугольник 7"/>
+          <p:cNvSpPr/>
+          <p:nvPr/>
+        </p:nvSpPr>
+        <p:spPr>
+          <a:xfrm>
+            <a:off x="2327562" y="6329371"/>
+            <a:ext cx="10861964" cy="369332"/>
+          </a:xfrm>
+          <a:prstGeom prst="rect">
+            <a:avLst/>
+          </a:prstGeom>
+        </p:spPr>
+        <p:txBody>
+          <a:bodyPr wrap="square">
+            <a:spAutoFit/>
+          </a:bodyPr>
+          <a:lstStyle/>
+          <a:p>
+            <a:r>
+              <a:rPr lang="en-US" dirty="0"/>
+              <a:t>Source: </a:t>
+            </a:r>
+            <a:r>
+              <a:rPr lang="en-US" dirty="0">
+                <a:hlinkClick r:id="rId3"/>
+              </a:rPr>
+              <a:t>https://blogs.msdn.microsoft.com/pfxteam/2012/03/04/implementing-a-simple-foreachasync/</a:t>
+            </a:r>
+            <a:endParaRPr lang="en-US" dirty="0"/>
+          </a:p>
+        </p:txBody>
+      </p:sp>
+      <p:pic>
+        <p:nvPicPr>
+          <p:cNvPr id="10" name="Рисунок 9"/>
+          <p:cNvPicPr>
+            <a:picLocks noChangeAspect="1"/>
+          </p:cNvPicPr>
+          <p:nvPr/>
+        </p:nvPicPr>
+        <p:blipFill>
+          <a:blip r:embed="rId4"/>
+          <a:stretch>
+            <a:fillRect/>
+          </a:stretch>
+        </p:blipFill>
+        <p:spPr>
+          <a:xfrm>
+            <a:off x="318678" y="1440253"/>
+            <a:ext cx="5849612" cy="4224720"/>
+          </a:xfrm>
+          <a:prstGeom prst="rect">
+            <a:avLst/>
+          </a:prstGeom>
+        </p:spPr>
+      </p:pic>
+    </p:spTree>
+    <p:extLst>
+      <p:ext uri="{BB962C8B-B14F-4D97-AF65-F5344CB8AC3E}">
+        <p14:creationId xmlns:p14="http://schemas.microsoft.com/office/powerpoint/2010/main" val="1595574886"/>
+      </p:ext>
+    </p:extLst>
+  </p:cSld>
+  <p:clrMapOvr>
+    <a:masterClrMapping/>
+  </p:clrMapOvr>
+</p:sld>
+</file>
+
+<file path=ppt/slides/slide18.xml><?xml version="1.0" encoding="utf-8"?>
+<p:sld xmlns:a="http://schemas.openxmlformats.org/drawingml/2006/main" xmlns:r="http://schemas.openxmlformats.org/officeDocument/2006/relationships" xmlns:p="http://schemas.openxmlformats.org/presentationml/2006/main">
+  <p:cSld>
+    <p:spTree>
+      <p:nvGrpSpPr>
+        <p:cNvPr id="1" name=""/>
+        <p:cNvGrpSpPr/>
+        <p:nvPr/>
+      </p:nvGrpSpPr>
+      <p:grpSpPr>
+        <a:xfrm>
+          <a:off x="0" y="0"/>
+          <a:ext cx="0" cy="0"/>
+          <a:chOff x="0" y="0"/>
+          <a:chExt cx="0" cy="0"/>
+        </a:xfrm>
+      </p:grpSpPr>
+      <p:sp>
+        <p:nvSpPr>
+          <p:cNvPr id="2" name="Заголовок 1"/>
+          <p:cNvSpPr>
+            <a:spLocks noGrp="1"/>
+          </p:cNvSpPr>
+          <p:nvPr>
+            <p:ph type="title"/>
+          </p:nvPr>
+        </p:nvSpPr>
+        <p:spPr>
+          <a:xfrm>
+            <a:off x="1484311" y="685801"/>
+            <a:ext cx="10018713" cy="838200"/>
+          </a:xfrm>
+        </p:spPr>
+        <p:txBody>
+          <a:bodyPr/>
+          <a:lstStyle/>
+          <a:p>
+            <a:r>
+              <a:rPr lang="en-US" dirty="0"/>
+              <a:t>Conclusion from slide</a:t>
+            </a:r>
+            <a:endParaRPr lang="ru-RU" dirty="0"/>
+          </a:p>
+        </p:txBody>
+      </p:sp>
+      <p:sp>
+        <p:nvSpPr>
+          <p:cNvPr id="3" name="Объект 2"/>
+          <p:cNvSpPr>
+            <a:spLocks noGrp="1"/>
+          </p:cNvSpPr>
+          <p:nvPr>
+            <p:ph idx="1"/>
+          </p:nvPr>
+        </p:nvSpPr>
+        <p:spPr>
+          <a:xfrm>
+            <a:off x="1484310" y="2537690"/>
+            <a:ext cx="10018713" cy="2182092"/>
+          </a:xfrm>
+        </p:spPr>
+        <p:txBody>
+          <a:bodyPr/>
+          <a:lstStyle/>
+          <a:p>
+            <a:r>
+              <a:rPr lang="en-US" dirty="0"/>
+              <a:t>If you want implement "</a:t>
+            </a:r>
+            <a:r>
+              <a:rPr lang="en-US" dirty="0" err="1"/>
+              <a:t>foreach</a:t>
+            </a:r>
+            <a:r>
+              <a:rPr lang="en-US" dirty="0"/>
+              <a:t> </a:t>
+            </a:r>
+            <a:r>
+              <a:rPr lang="en-US" dirty="0" err="1"/>
+              <a:t>async</a:t>
+            </a:r>
+            <a:r>
+              <a:rPr lang="en-US" dirty="0"/>
+              <a:t>" you could use "</a:t>
+            </a:r>
+            <a:r>
+              <a:rPr lang="en-US" dirty="0" err="1"/>
+              <a:t>Task.WhenAll</a:t>
+            </a:r>
+            <a:r>
+              <a:rPr lang="en-US" dirty="0"/>
+              <a:t>" or "</a:t>
+            </a:r>
+            <a:r>
+              <a:rPr lang="en-US" dirty="0" err="1"/>
+              <a:t>Task.WhenAny</a:t>
+            </a:r>
+            <a:r>
+              <a:rPr lang="en-US" dirty="0"/>
+              <a:t>“ </a:t>
+            </a:r>
+          </a:p>
+          <a:p>
+            <a:pPr marL="0" indent="0">
+              <a:buNone/>
+            </a:pPr>
+            <a:r>
+              <a:rPr lang="en-US" dirty="0"/>
+              <a:t>But you must understand how many tasks will work simultaneously</a:t>
+            </a:r>
+            <a:endParaRPr lang="en-US" dirty="0"/>
+          </a:p>
+        </p:txBody>
+      </p:sp>
+      <p:sp>
+        <p:nvSpPr>
+          <p:cNvPr id="6" name="TextBox 5"/>
+          <p:cNvSpPr txBox="1"/>
+          <p:nvPr/>
+        </p:nvSpPr>
+        <p:spPr>
+          <a:xfrm>
+            <a:off x="1948873" y="5548849"/>
+            <a:ext cx="9984509" cy="1200329"/>
+          </a:xfrm>
+          <a:prstGeom prst="rect">
+            <a:avLst/>
+          </a:prstGeom>
+          <a:noFill/>
+        </p:spPr>
+        <p:txBody>
+          <a:bodyPr wrap="square" rtlCol="0">
+            <a:spAutoFit/>
+          </a:bodyPr>
+          <a:lstStyle/>
+          <a:p>
+            <a:r>
+              <a:rPr lang="en-US" dirty="0"/>
+              <a:t>Sources:</a:t>
+            </a:r>
+          </a:p>
+          <a:p>
+            <a:pPr marL="285750" indent="-285750">
+              <a:buFont typeface="Arial" panose="020B0604020202020204" pitchFamily="34" charset="0"/>
+              <a:buChar char="•"/>
+            </a:pPr>
+            <a:r>
+              <a:rPr lang="en-US" dirty="0">
+                <a:hlinkClick r:id="rId2"/>
+              </a:rPr>
+              <a:t>https://blogs.msdn.microsoft.com/pfxteam/2012/03/04/implementing-a-simple-foreachasync/</a:t>
+            </a:r>
+            <a:endParaRPr lang="en-US" dirty="0"/>
+          </a:p>
+          <a:p>
+            <a:pPr marL="285750" indent="-285750">
+              <a:buFont typeface="Arial" panose="020B0604020202020204" pitchFamily="34" charset="0"/>
+              <a:buChar char="•"/>
+            </a:pPr>
+            <a:r>
+              <a:rPr lang="en-US" dirty="0">
+                <a:hlinkClick r:id="rId3"/>
+              </a:rPr>
+              <a:t>https://blogs.msdn.microsoft.com/pfxteam/2012/03/05/implementing-a-simple-foreachasync-part-2/</a:t>
+            </a:r>
+            <a:endParaRPr lang="en-US" dirty="0"/>
+          </a:p>
+          <a:p>
+            <a:pPr marL="285750" indent="-285750">
+              <a:buFont typeface="Arial" panose="020B0604020202020204" pitchFamily="34" charset="0"/>
+              <a:buChar char="•"/>
+            </a:pPr>
+            <a:endParaRPr lang="en-US" dirty="0"/>
+          </a:p>
+        </p:txBody>
+      </p:sp>
+    </p:spTree>
+    <p:extLst>
+      <p:ext uri="{BB962C8B-B14F-4D97-AF65-F5344CB8AC3E}">
+        <p14:creationId xmlns:p14="http://schemas.microsoft.com/office/powerpoint/2010/main" val="1441713611"/>
       </p:ext>
     </p:extLst>
   </p:cSld>
@@ -7015,7 +8002,7 @@
           <a:p>
             <a:r>
               <a:rPr lang="en-US" dirty="0"/>
-              <a:t>What happens when I combining "await" and loop. Implementing a simple. </a:t>
+              <a:t>What happens when I combining "await" and loop? Implementing a simple. </a:t>
             </a:r>
             <a:r>
               <a:rPr lang="en-US" dirty="0" err="1"/>
@@ -7999,146 +8986,99 @@
         </p:nvSpPr>
         <p:spPr>
           <a:xfrm>
-            <a:off x="1484311" y="685801"/>
-            <a:ext cx="10018713" cy="838200"/>
-          </a:xfrm>
-        </p:spPr>
-        <p:txBody>
-          <a:bodyPr/>
-          <a:lstStyle/>
-          <a:p>
-            <a:r>
-              <a:rPr lang="en-US" dirty="0"/>
-              <a:t>Conclusion from slide</a:t>
-            </a:r>
-            <a:endParaRPr lang="ru-RU" dirty="0"/>
-          </a:p>
-        </p:txBody>
-      </p:sp>
-      <p:sp>
-        <p:nvSpPr>
-          <p:cNvPr id="3" name="Объект 2"/>
-          <p:cNvSpPr>
-            <a:spLocks noGrp="1"/>
-          </p:cNvSpPr>
-          <p:nvPr>
-            <p:ph idx="1"/>
-          </p:nvPr>
-        </p:nvSpPr>
-        <p:spPr>
-          <a:xfrm>
-            <a:off x="1484310" y="2537690"/>
-            <a:ext cx="10018713" cy="2182092"/>
+            <a:off x="1484311" y="251689"/>
+            <a:ext cx="10018713" cy="1309256"/>
           </a:xfrm>
         </p:spPr>
         <p:txBody>
           <a:bodyPr>
-            <a:normAutofit fontScale="92500" lnSpcReduction="10000"/>
+            <a:normAutofit/>
           </a:bodyPr>
           <a:lstStyle/>
           <a:p>
             <a:r>
-              <a:rPr lang="en-US" dirty="0"/>
-              <a:t>You should not use </a:t>
-            </a:r>
-            <a:r>
-              <a:rPr lang="en-US" dirty="0" err="1"/>
-              <a:t>ConfigureAwait</a:t>
-            </a:r>
-            <a:r>
-              <a:rPr lang="en-US" dirty="0"/>
-              <a:t> when you have code after the await in the method that needs the context.</a:t>
-            </a:r>
-          </a:p>
-          <a:p>
-            <a:pPr marL="0" indent="0">
-              <a:buNone/>
-            </a:pPr>
-            <a:endParaRPr lang="en-US" dirty="0"/>
-          </a:p>
-          <a:p>
-            <a:pPr marL="0" indent="0">
-              <a:buNone/>
-            </a:pPr>
-            <a:r>
-              <a:rPr lang="en-US" sz="1400" dirty="0"/>
-              <a:t>For GUI apps, this includes any code that manipulates GUI elements, writes data-bound properties or depends on a GUI-specific type such as Dispatcher/</a:t>
-            </a:r>
-            <a:r>
-              <a:rPr lang="en-US" sz="1400" dirty="0" err="1"/>
-              <a:t>CoreDispatcher</a:t>
-            </a:r>
-            <a:r>
-              <a:rPr lang="en-US" sz="1400" dirty="0"/>
-              <a:t>.</a:t>
-            </a:r>
-          </a:p>
-          <a:p>
-            <a:pPr marL="0" indent="0">
-              <a:buNone/>
-            </a:pPr>
-            <a:r>
-              <a:rPr lang="en-US" sz="1400" dirty="0"/>
-              <a:t> For ASP.NET apps, this includes any code that uses </a:t>
-            </a:r>
-            <a:r>
-              <a:rPr lang="en-US" sz="1400" dirty="0" err="1"/>
-              <a:t>HttpContext.Current</a:t>
-            </a:r>
-            <a:r>
-              <a:rPr lang="en-US" sz="1400" dirty="0"/>
-              <a:t> or builds an ASP.NET response, including return statements in controller actions</a:t>
-            </a:r>
-            <a:endParaRPr lang="ru-RU" sz="1400" dirty="0"/>
-          </a:p>
-        </p:txBody>
-      </p:sp>
-      <p:sp>
-        <p:nvSpPr>
-          <p:cNvPr id="6" name="TextBox 5"/>
-          <p:cNvSpPr txBox="1"/>
+              <a:rPr lang="en-US" sz="3600" dirty="0"/>
+              <a:t>Modification </a:t>
+            </a:r>
+            <a:r>
+              <a:rPr lang="en-US" sz="3600" dirty="0" err="1"/>
+              <a:t>HttpContext</a:t>
+            </a:r>
+            <a:r>
+              <a:rPr lang="en-US" sz="3600" dirty="0"/>
+              <a:t> &amp; </a:t>
+            </a:r>
+            <a:r>
+              <a:rPr lang="en-US" sz="3600" dirty="0" err="1"/>
+              <a:t>Async</a:t>
+            </a:r>
+            <a:r>
+              <a:rPr lang="en-US" sz="3600" dirty="0"/>
+              <a:t> Await (Part 2)</a:t>
+            </a:r>
+            <a:br>
+              <a:rPr lang="en-US" sz="3600" dirty="0"/>
+            </a:br>
+            <a:r>
+              <a:rPr lang="en-US" sz="2800" dirty="0"/>
+              <a:t>Examples context switch without "await"</a:t>
+            </a:r>
+            <a:endParaRPr lang="ru-RU" sz="2800" dirty="0"/>
+          </a:p>
+        </p:txBody>
+      </p:sp>
+      <p:pic>
+        <p:nvPicPr>
+          <p:cNvPr id="4" name="Рисунок 3"/>
+          <p:cNvPicPr>
+            <a:picLocks noChangeAspect="1"/>
+          </p:cNvPicPr>
           <p:nvPr/>
-        </p:nvSpPr>
-        <p:spPr>
-          <a:xfrm>
-            <a:off x="5362578" y="5890595"/>
-            <a:ext cx="6829422" cy="646331"/>
+        </p:nvPicPr>
+        <p:blipFill>
+          <a:blip r:embed="rId2"/>
+          <a:stretch>
+            <a:fillRect/>
+          </a:stretch>
+        </p:blipFill>
+        <p:spPr>
+          <a:xfrm>
+            <a:off x="504401" y="1560945"/>
+            <a:ext cx="5438775" cy="4857750"/>
           </a:xfrm>
           <a:prstGeom prst="rect">
             <a:avLst/>
           </a:prstGeom>
-          <a:noFill/>
-        </p:spPr>
-        <p:txBody>
-          <a:bodyPr wrap="square" rtlCol="0">
-            <a:spAutoFit/>
-          </a:bodyPr>
-          <a:lstStyle/>
-          <a:p>
-            <a:r>
-              <a:rPr lang="en-US" dirty="0"/>
-              <a:t>Source: </a:t>
-            </a:r>
-            <a:r>
-              <a:rPr lang="en-US" dirty="0">
-                <a:hlinkClick r:id="rId2"/>
-              </a:rPr>
-              <a:t>https://msdn.microsoft.com/en-us/magazine/jj991977.aspx</a:t>
-            </a:r>
-            <a:endParaRPr lang="en-US" dirty="0"/>
-          </a:p>
-          <a:p>
-            <a:r>
-              <a:rPr lang="en-US" dirty="0"/>
-              <a:t>Paragraph: Configure Context</a:t>
-            </a:r>
-          </a:p>
-        </p:txBody>
-      </p:sp>
+        </p:spPr>
+      </p:pic>
+      <p:pic>
+        <p:nvPicPr>
+          <p:cNvPr id="6" name="Рисунок 5"/>
+          <p:cNvPicPr>
+            <a:picLocks noChangeAspect="1"/>
+          </p:cNvPicPr>
+          <p:nvPr/>
+        </p:nvPicPr>
+        <p:blipFill>
+          <a:blip r:embed="rId3"/>
+          <a:stretch>
+            <a:fillRect/>
+          </a:stretch>
+        </p:blipFill>
+        <p:spPr>
+          <a:xfrm>
+            <a:off x="6302152" y="1560945"/>
+            <a:ext cx="5695950" cy="3457575"/>
+          </a:xfrm>
+          <a:prstGeom prst="rect">
+            <a:avLst/>
+          </a:prstGeom>
+        </p:spPr>
+      </p:pic>
     </p:spTree>
     <p:extLst>
       <p:ext uri="{BB962C8B-B14F-4D97-AF65-F5344CB8AC3E}">
-        <p14:creationId xmlns:p14="http://schemas.microsoft.com/office/powerpoint/2010/main" val="394744542"/>
+        <p14:creationId xmlns:p14="http://schemas.microsoft.com/office/powerpoint/2010/main" val="365515660"/>
       </p:ext>
     </p:extLst>
   </p:cSld>
@@ -8177,99 +9117,146 @@
         </p:nvSpPr>
         <p:spPr>
           <a:xfrm>
-            <a:off x="1484311" y="251689"/>
-            <a:ext cx="10018713" cy="1309256"/>
+            <a:off x="1484311" y="685801"/>
+            <a:ext cx="10018713" cy="838200"/>
+          </a:xfrm>
+        </p:spPr>
+        <p:txBody>
+          <a:bodyPr/>
+          <a:lstStyle/>
+          <a:p>
+            <a:r>
+              <a:rPr lang="en-US" dirty="0"/>
+              <a:t>Conclusion from slide</a:t>
+            </a:r>
+            <a:endParaRPr lang="ru-RU" dirty="0"/>
+          </a:p>
+        </p:txBody>
+      </p:sp>
+      <p:sp>
+        <p:nvSpPr>
+          <p:cNvPr id="3" name="Объект 2"/>
+          <p:cNvSpPr>
+            <a:spLocks noGrp="1"/>
+          </p:cNvSpPr>
+          <p:nvPr>
+            <p:ph idx="1"/>
+          </p:nvPr>
+        </p:nvSpPr>
+        <p:spPr>
+          <a:xfrm>
+            <a:off x="1484310" y="2537690"/>
+            <a:ext cx="10018713" cy="2182092"/>
           </a:xfrm>
         </p:spPr>
         <p:txBody>
           <a:bodyPr>
-            <a:normAutofit/>
+            <a:normAutofit fontScale="92500" lnSpcReduction="10000"/>
           </a:bodyPr>
           <a:lstStyle/>
           <a:p>
             <a:r>
-              <a:rPr lang="en-US" sz="3600" dirty="0"/>
-              <a:t>Modification </a:t>
-            </a:r>
-            <a:r>
-              <a:rPr lang="en-US" sz="3600" dirty="0" err="1"/>
-              <a:t>HttpContext</a:t>
-            </a:r>
-            <a:r>
-              <a:rPr lang="en-US" sz="3600" dirty="0"/>
-              <a:t> &amp; </a:t>
-            </a:r>
-            <a:r>
-              <a:rPr lang="en-US" sz="3600" dirty="0" err="1"/>
-              <a:t>Async</a:t>
-            </a:r>
-            <a:r>
-              <a:rPr lang="en-US" sz="3600" dirty="0"/>
-              <a:t> Await (Part 2)</a:t>
-            </a:r>
-            <a:br>
-              <a:rPr lang="en-US" sz="3600" dirty="0"/>
-            </a:br>
-            <a:r>
-              <a:rPr lang="en-US" sz="2800" dirty="0"/>
-              <a:t>Examples context switch without "await"</a:t>
-            </a:r>
-            <a:endParaRPr lang="ru-RU" sz="2800" dirty="0"/>
-          </a:p>
-        </p:txBody>
-      </p:sp>
-      <p:pic>
-        <p:nvPicPr>
-          <p:cNvPr id="4" name="Рисунок 3"/>
-          <p:cNvPicPr>
-            <a:picLocks noChangeAspect="1"/>
-          </p:cNvPicPr>
+              <a:rPr lang="en-US" dirty="0"/>
+              <a:t>You should not use </a:t>
+            </a:r>
+            <a:r>
+              <a:rPr lang="en-US" dirty="0" err="1"/>
+              <a:t>ConfigureAwait</a:t>
+            </a:r>
+            <a:r>
+              <a:rPr lang="en-US" dirty="0"/>
+              <a:t> when you have code after the await in the method that needs the context.</a:t>
+            </a:r>
+          </a:p>
+          <a:p>
+            <a:pPr marL="0" indent="0">
+              <a:buNone/>
+            </a:pPr>
+            <a:endParaRPr lang="en-US" dirty="0"/>
+          </a:p>
+          <a:p>
+            <a:pPr marL="0" indent="0">
+              <a:buNone/>
+            </a:pPr>
+            <a:r>
+              <a:rPr lang="en-US" sz="1400" dirty="0"/>
+              <a:t>For GUI apps, this includes any code that manipulates GUI elements, writes data-bound properties or depends on a GUI-specific type such as Dispatcher/</a:t>
+            </a:r>
+            <a:r>
+              <a:rPr lang="en-US" sz="1400" dirty="0" err="1"/>
+              <a:t>CoreDispatcher</a:t>
+            </a:r>
+            <a:r>
+              <a:rPr lang="en-US" sz="1400" dirty="0"/>
+              <a:t>.</a:t>
+            </a:r>
+          </a:p>
+          <a:p>
+            <a:pPr marL="0" indent="0">
+              <a:buNone/>
+            </a:pPr>
+            <a:r>
+              <a:rPr lang="en-US" sz="1400" dirty="0"/>
+              <a:t> For ASP.NET apps, this includes any code that uses </a:t>
+            </a:r>
+            <a:r>
+              <a:rPr lang="en-US" sz="1400" dirty="0" err="1"/>
+              <a:t>HttpContext.Current</a:t>
+            </a:r>
+            <a:r>
+              <a:rPr lang="en-US" sz="1400" dirty="0"/>
+              <a:t> or builds an ASP.NET response, including return statements in controller actions</a:t>
+            </a:r>
+            <a:endParaRPr lang="ru-RU" sz="1400" dirty="0"/>
+          </a:p>
+        </p:txBody>
+      </p:sp>
+      <p:sp>
+        <p:nvSpPr>
+          <p:cNvPr id="6" name="TextBox 5"/>
+          <p:cNvSpPr txBox="1"/>
           <p:nvPr/>
-        </p:nvPicPr>
-        <p:blipFill>
-          <a:blip r:embed="rId2"/>
-          <a:stretch>
-            <a:fillRect/>
-          </a:stretch>
-        </p:blipFill>
-        <p:spPr>
-          <a:xfrm>
-            <a:off x="504401" y="1560945"/>
-            <a:ext cx="5438775" cy="4857750"/>
+        </p:nvSpPr>
+        <p:spPr>
+          <a:xfrm>
+            <a:off x="5362578" y="5890595"/>
+            <a:ext cx="6829422" cy="646331"/>
           </a:xfrm>
           <a:prstGeom prst="rect">
             <a:avLst/>
           </a:prstGeom>
-        </p:spPr>
-      </p:pic>
-      <p:pic>
-        <p:nvPicPr>
-          <p:cNvPr id="6" name="Рисунок 5"/>
-          <p:cNvPicPr>
-            <a:picLocks noChangeAspect="1"/>
-          </p:cNvPicPr>
-          <p:nvPr/>
-        </p:nvPicPr>
-        <p:blipFill>
-          <a:blip r:embed="rId3"/>
-          <a:stretch>
-            <a:fillRect/>
-          </a:stretch>
-        </p:blipFill>
-        <p:spPr>
-          <a:xfrm>
-            <a:off x="6302152" y="1560945"/>
-            <a:ext cx="5695950" cy="3457575"/>
-          </a:xfrm>
-          <a:prstGeom prst="rect">
-            <a:avLst/>
-          </a:prstGeom>
-        </p:spPr>
-      </p:pic>
+          <a:noFill/>
+        </p:spPr>
+        <p:txBody>
+          <a:bodyPr wrap="square" rtlCol="0">
+            <a:spAutoFit/>
+          </a:bodyPr>
+          <a:lstStyle/>
+          <a:p>
+            <a:r>
+              <a:rPr lang="en-US" dirty="0"/>
+              <a:t>Source: </a:t>
+            </a:r>
+            <a:r>
+              <a:rPr lang="en-US" dirty="0">
+                <a:hlinkClick r:id="rId2"/>
+              </a:rPr>
+              <a:t>https://msdn.microsoft.com/en-us/magazine/jj991977.aspx</a:t>
+            </a:r>
+            <a:endParaRPr lang="en-US" dirty="0"/>
+          </a:p>
+          <a:p>
+            <a:r>
+              <a:rPr lang="en-US" dirty="0"/>
+              <a:t>Paragraph: Configure Context</a:t>
+            </a:r>
+          </a:p>
+        </p:txBody>
+      </p:sp>
     </p:spTree>
     <p:extLst>
       <p:ext uri="{BB962C8B-B14F-4D97-AF65-F5344CB8AC3E}">
-        <p14:creationId xmlns:p14="http://schemas.microsoft.com/office/powerpoint/2010/main" val="365515660"/>
+        <p14:creationId xmlns:p14="http://schemas.microsoft.com/office/powerpoint/2010/main" val="394744542"/>
       </p:ext>
     </p:extLst>
   </p:cSld>

--- a/Async Await and their pitfalls.pptx
+++ b/Async Await and their pitfalls.pptx
@@ -23,6 +23,8 @@
     <p:sldId id="269" r:id="rId17"/>
     <p:sldId id="270" r:id="rId18"/>
     <p:sldId id="271" r:id="rId19"/>
+    <p:sldId id="278" r:id="rId20"/>
+    <p:sldId id="277" r:id="rId21"/>
   </p:sldIdLst>
   <p:sldSz cx="12192000" cy="6858000"/>
   <p:notesSz cx="6858000" cy="9144000"/>
@@ -632,7 +634,7 @@
             <a:fld id="{B61BEF0D-F0BB-DE4B-95CE-6DB70DBA9567}" type="datetimeFigureOut">
               <a:rPr lang="en-US" dirty="0"/>
               <a:pPr/>
-              <a:t>3/28/2017</a:t>
+              <a:t>29-Mar-17</a:t>
             </a:fld>
             <a:endParaRPr lang="en-US" dirty="0"/>
           </a:p>
@@ -925,7 +927,7 @@
             <a:fld id="{B61BEF0D-F0BB-DE4B-95CE-6DB70DBA9567}" type="datetimeFigureOut">
               <a:rPr lang="en-US" dirty="0"/>
               <a:pPr/>
-              <a:t>3/28/2017</a:t>
+              <a:t>29-Mar-17</a:t>
             </a:fld>
             <a:endParaRPr lang="en-US" dirty="0"/>
           </a:p>
@@ -1170,7 +1172,7 @@
             <a:fld id="{B61BEF0D-F0BB-DE4B-95CE-6DB70DBA9567}" type="datetimeFigureOut">
               <a:rPr lang="en-US" dirty="0"/>
               <a:pPr/>
-              <a:t>3/28/2017</a:t>
+              <a:t>29-Mar-17</a:t>
             </a:fld>
             <a:endParaRPr lang="en-US" dirty="0"/>
           </a:p>
@@ -1707,7 +1709,7 @@
             <a:fld id="{B61BEF0D-F0BB-DE4B-95CE-6DB70DBA9567}" type="datetimeFigureOut">
               <a:rPr lang="en-US" dirty="0"/>
               <a:pPr/>
-              <a:t>3/28/2017</a:t>
+              <a:t>29-Mar-17</a:t>
             </a:fld>
             <a:endParaRPr lang="en-US" dirty="0"/>
           </a:p>
@@ -1952,7 +1954,7 @@
             <a:fld id="{B61BEF0D-F0BB-DE4B-95CE-6DB70DBA9567}" type="datetimeFigureOut">
               <a:rPr lang="en-US" dirty="0"/>
               <a:pPr/>
-              <a:t>3/28/2017</a:t>
+              <a:t>29-Mar-17</a:t>
             </a:fld>
             <a:endParaRPr lang="en-US" dirty="0"/>
           </a:p>
@@ -2481,7 +2483,7 @@
             <a:fld id="{B61BEF0D-F0BB-DE4B-95CE-6DB70DBA9567}" type="datetimeFigureOut">
               <a:rPr lang="en-US" dirty="0"/>
               <a:pPr/>
-              <a:t>3/28/2017</a:t>
+              <a:t>29-Mar-17</a:t>
             </a:fld>
             <a:endParaRPr lang="en-US" dirty="0"/>
           </a:p>
@@ -2775,7 +2777,7 @@
             <a:fld id="{B61BEF0D-F0BB-DE4B-95CE-6DB70DBA9567}" type="datetimeFigureOut">
               <a:rPr lang="en-US" dirty="0"/>
               <a:pPr/>
-              <a:t>3/28/2017</a:t>
+              <a:t>29-Mar-17</a:t>
             </a:fld>
             <a:endParaRPr lang="en-US" dirty="0"/>
           </a:p>
@@ -2946,7 +2948,7 @@
             <a:fld id="{B61BEF0D-F0BB-DE4B-95CE-6DB70DBA9567}" type="datetimeFigureOut">
               <a:rPr lang="en-US" dirty="0"/>
               <a:pPr/>
-              <a:t>3/28/2017</a:t>
+              <a:t>29-Mar-17</a:t>
             </a:fld>
             <a:endParaRPr lang="en-US" dirty="0"/>
           </a:p>
@@ -3123,7 +3125,7 @@
             <a:fld id="{B61BEF0D-F0BB-DE4B-95CE-6DB70DBA9567}" type="datetimeFigureOut">
               <a:rPr lang="en-US" dirty="0"/>
               <a:pPr/>
-              <a:t>3/28/2017</a:t>
+              <a:t>29-Mar-17</a:t>
             </a:fld>
             <a:endParaRPr lang="en-US" dirty="0"/>
           </a:p>
@@ -3331,7 +3333,7 @@
             <a:fld id="{B61BEF0D-F0BB-DE4B-95CE-6DB70DBA9567}" type="datetimeFigureOut">
               <a:rPr lang="en-US" dirty="0"/>
               <a:pPr/>
-              <a:t>3/28/2017</a:t>
+              <a:t>29-Mar-17</a:t>
             </a:fld>
             <a:endParaRPr lang="en-US" dirty="0"/>
           </a:p>
@@ -3579,7 +3581,7 @@
             <a:fld id="{B61BEF0D-F0BB-DE4B-95CE-6DB70DBA9567}" type="datetimeFigureOut">
               <a:rPr lang="en-US" dirty="0"/>
               <a:pPr/>
-              <a:t>3/28/2017</a:t>
+              <a:t>29-Mar-17</a:t>
             </a:fld>
             <a:endParaRPr lang="en-US" dirty="0"/>
           </a:p>
@@ -3923,7 +3925,7 @@
             <a:fld id="{B61BEF0D-F0BB-DE4B-95CE-6DB70DBA9567}" type="datetimeFigureOut">
               <a:rPr lang="en-US" dirty="0"/>
               <a:pPr/>
-              <a:t>3/28/2017</a:t>
+              <a:t>29-Mar-17</a:t>
             </a:fld>
             <a:endParaRPr lang="en-US" dirty="0"/>
           </a:p>
@@ -4412,7 +4414,7 @@
             <a:fld id="{B61BEF0D-F0BB-DE4B-95CE-6DB70DBA9567}" type="datetimeFigureOut">
               <a:rPr lang="en-US" dirty="0"/>
               <a:pPr/>
-              <a:t>3/28/2017</a:t>
+              <a:t>29-Mar-17</a:t>
             </a:fld>
             <a:endParaRPr lang="en-US" dirty="0"/>
           </a:p>
@@ -4527,7 +4529,7 @@
             <a:fld id="{B61BEF0D-F0BB-DE4B-95CE-6DB70DBA9567}" type="datetimeFigureOut">
               <a:rPr lang="en-US" dirty="0"/>
               <a:pPr/>
-              <a:t>3/28/2017</a:t>
+              <a:t>29-Mar-17</a:t>
             </a:fld>
             <a:endParaRPr lang="en-US" dirty="0"/>
           </a:p>
@@ -4619,7 +4621,7 @@
             <a:fld id="{B61BEF0D-F0BB-DE4B-95CE-6DB70DBA9567}" type="datetimeFigureOut">
               <a:rPr lang="en-US" dirty="0"/>
               <a:pPr/>
-              <a:t>3/28/2017</a:t>
+              <a:t>29-Mar-17</a:t>
             </a:fld>
             <a:endParaRPr lang="en-US" dirty="0"/>
           </a:p>
@@ -4899,7 +4901,7 @@
             <a:fld id="{B61BEF0D-F0BB-DE4B-95CE-6DB70DBA9567}" type="datetimeFigureOut">
               <a:rPr lang="en-US" dirty="0"/>
               <a:pPr/>
-              <a:t>3/28/2017</a:t>
+              <a:t>29-Mar-17</a:t>
             </a:fld>
             <a:endParaRPr lang="en-US" dirty="0"/>
           </a:p>
@@ -5187,7 +5189,7 @@
             <a:fld id="{B61BEF0D-F0BB-DE4B-95CE-6DB70DBA9567}" type="datetimeFigureOut">
               <a:rPr lang="en-US" dirty="0"/>
               <a:pPr/>
-              <a:t>3/28/2017</a:t>
+              <a:t>29-Mar-17</a:t>
             </a:fld>
             <a:endParaRPr lang="en-US" dirty="0"/>
           </a:p>
@@ -5714,7 +5716,7 @@
             <a:fld id="{B61BEF0D-F0BB-DE4B-95CE-6DB70DBA9567}" type="datetimeFigureOut">
               <a:rPr lang="en-US" dirty="0"/>
               <a:pPr/>
-              <a:t>3/28/2017</a:t>
+              <a:t>29-Mar-17</a:t>
             </a:fld>
             <a:endParaRPr lang="en-US" dirty="0"/>
           </a:p>
@@ -6776,7 +6778,6 @@
               <a:rPr lang="en-US" dirty="0"/>
               <a:t> await" on top level. </a:t>
             </a:r>
-            <a:endParaRPr lang="en-US" dirty="0"/>
           </a:p>
         </p:txBody>
       </p:sp>
@@ -7469,7 +7470,6 @@
               <a:rPr lang="en-US" dirty="0"/>
               <a:t>I want to call methods based on Task asynchronously and parallelly.</a:t>
             </a:r>
-            <a:endParaRPr lang="en-US" dirty="0"/>
           </a:p>
           <a:p>
             <a:endParaRPr lang="en-US" dirty="0"/>
@@ -7524,15 +7524,7 @@
             </a:r>
             <a:r>
               <a:rPr lang="en-US" dirty="0"/>
-              <a:t> = 1000? (</a:t>
-            </a:r>
-            <a:r>
-              <a:rPr lang="en-US" dirty="0"/>
-              <a:t>What problems do you know?</a:t>
-            </a:r>
-            <a:r>
-              <a:rPr lang="en-US" dirty="0"/>
-              <a:t>)</a:t>
+              <a:t> = 1000? (What problems do you know?)</a:t>
             </a:r>
           </a:p>
           <a:p>
@@ -7609,11 +7601,7 @@
             </a:r>
             <a:r>
               <a:rPr lang="en-US" sz="3600" dirty="0"/>
-              <a:t> </a:t>
-            </a:r>
-            <a:r>
-              <a:rPr lang="en-US" sz="3600" dirty="0"/>
-              <a:t>(Part 2)</a:t>
+              <a:t> (Part 2)</a:t>
             </a:r>
             <a:endParaRPr lang="ru-RU" sz="3600" dirty="0"/>
           </a:p>
@@ -7825,7 +7813,6 @@
               <a:rPr lang="en-US" dirty="0"/>
               <a:t>But you must understand how many tasks will work simultaneously</a:t>
             </a:r>
-            <a:endParaRPr lang="en-US" dirty="0"/>
           </a:p>
         </p:txBody>
       </p:sp>
@@ -7895,6 +7882,134 @@
     <p:extLst>
       <p:ext uri="{BB962C8B-B14F-4D97-AF65-F5344CB8AC3E}">
         <p14:creationId xmlns:p14="http://schemas.microsoft.com/office/powerpoint/2010/main" val="1441713611"/>
+      </p:ext>
+    </p:extLst>
+  </p:cSld>
+  <p:clrMapOvr>
+    <a:masterClrMapping/>
+  </p:clrMapOvr>
+</p:sld>
+</file>
+
+<file path=ppt/slides/slide19.xml><?xml version="1.0" encoding="utf-8"?>
+<p:sld xmlns:a="http://schemas.openxmlformats.org/drawingml/2006/main" xmlns:r="http://schemas.openxmlformats.org/officeDocument/2006/relationships" xmlns:p="http://schemas.openxmlformats.org/presentationml/2006/main">
+  <p:cSld>
+    <p:spTree>
+      <p:nvGrpSpPr>
+        <p:cNvPr id="1" name=""/>
+        <p:cNvGrpSpPr/>
+        <p:nvPr/>
+      </p:nvGrpSpPr>
+      <p:grpSpPr>
+        <a:xfrm>
+          <a:off x="0" y="0"/>
+          <a:ext cx="0" cy="0"/>
+          <a:chOff x="0" y="0"/>
+          <a:chExt cx="0" cy="0"/>
+        </a:xfrm>
+      </p:grpSpPr>
+      <p:sp>
+        <p:nvSpPr>
+          <p:cNvPr id="2" name="Title 1"/>
+          <p:cNvSpPr>
+            <a:spLocks noGrp="1"/>
+          </p:cNvSpPr>
+          <p:nvPr>
+            <p:ph type="title"/>
+          </p:nvPr>
+        </p:nvSpPr>
+        <p:spPr>
+          <a:xfrm>
+            <a:off x="1484311" y="685800"/>
+            <a:ext cx="10018713" cy="616527"/>
+          </a:xfrm>
+        </p:spPr>
+        <p:txBody>
+          <a:bodyPr>
+            <a:normAutofit fontScale="90000"/>
+          </a:bodyPr>
+          <a:lstStyle/>
+          <a:p>
+            <a:r>
+              <a:rPr lang="en-US" dirty="0"/>
+              <a:t>Where I can’t use “await”?</a:t>
+            </a:r>
+            <a:endParaRPr lang="en-US" dirty="0"/>
+          </a:p>
+        </p:txBody>
+      </p:sp>
+      <p:sp>
+        <p:nvSpPr>
+          <p:cNvPr id="3" name="Content Placeholder 2"/>
+          <p:cNvSpPr>
+            <a:spLocks noGrp="1"/>
+          </p:cNvSpPr>
+          <p:nvPr>
+            <p:ph idx="1"/>
+          </p:nvPr>
+        </p:nvSpPr>
+        <p:spPr>
+          <a:xfrm>
+            <a:off x="1484310" y="1413164"/>
+            <a:ext cx="10018713" cy="5033817"/>
+          </a:xfrm>
+        </p:spPr>
+        <p:txBody>
+          <a:bodyPr>
+            <a:normAutofit/>
+          </a:bodyPr>
+          <a:lstStyle/>
+          <a:p>
+            <a:r>
+              <a:rPr lang="en-US" dirty="0"/>
+              <a:t>Inside of a lock/</a:t>
+            </a:r>
+            <a:r>
+              <a:rPr lang="en-US" dirty="0" err="1"/>
+              <a:t>SyncLock</a:t>
+            </a:r>
+            <a:r>
+              <a:rPr lang="en-US" dirty="0"/>
+              <a:t> block. For a discussion of why this is disallowed, as well as for a look at </a:t>
+            </a:r>
+            <a:r>
+              <a:rPr lang="en-US" dirty="0" err="1"/>
+              <a:t>SemaphoreSlim.WaitAsync</a:t>
+            </a:r>
+            <a:r>
+              <a:rPr lang="en-US" dirty="0"/>
+              <a:t> (which can be used with await).</a:t>
+            </a:r>
+          </a:p>
+          <a:p>
+            <a:r>
+              <a:rPr lang="en-US" dirty="0"/>
+              <a:t>With most aspects of LINQ query comprehension syntax. “await” may only be used in a query expression within the first collection expression of the initial “from” clause or within the collection expression of a “join” clause.</a:t>
+            </a:r>
+          </a:p>
+          <a:p>
+            <a:r>
+              <a:rPr lang="en-US" dirty="0"/>
+              <a:t>Inside of an unsafe region. Note that you can use the “unsafe” keyword inside of a method marked as “</a:t>
+            </a:r>
+            <a:r>
+              <a:rPr lang="en-US" dirty="0" err="1"/>
+              <a:t>async</a:t>
+            </a:r>
+            <a:r>
+              <a:rPr lang="en-US" dirty="0"/>
+              <a:t>”, you just can’t use “await” inside of an unsafe region. This restriction has to do with how the compilers preserve state across an “await” point, and difficulties inherent to preserving unmanaged pointers.</a:t>
+            </a:r>
+          </a:p>
+          <a:p>
+            <a:endParaRPr lang="en-US" dirty="0"/>
+          </a:p>
+        </p:txBody>
+      </p:sp>
+    </p:spTree>
+    <p:extLst>
+      <p:ext uri="{BB962C8B-B14F-4D97-AF65-F5344CB8AC3E}">
+        <p14:creationId xmlns:p14="http://schemas.microsoft.com/office/powerpoint/2010/main" val="2788000302"/>
       </p:ext>
     </p:extLst>
   </p:cSld>
@@ -7996,7 +8111,7 @@
           <a:p>
             <a:r>
               <a:rPr lang="en-US" dirty="0"/>
-              <a:t>Where I can’t use “await”?</a:t>
+              <a:t>What happens when I combining "await" and synchronization primitives.</a:t>
             </a:r>
           </a:p>
           <a:p>
@@ -8016,8 +8131,9 @@
           <a:p>
             <a:r>
               <a:rPr lang="en-US" dirty="0"/>
-              <a:t>What happens when I combining "await" and synchronization primitives.</a:t>
-            </a:r>
+              <a:t>Where I can’t use “await”?</a:t>
+            </a:r>
+            <a:endParaRPr lang="en-US" dirty="0"/>
           </a:p>
           <a:p>
             <a:r>
@@ -8047,6 +8163,113 @@
     <p:extLst>
       <p:ext uri="{BB962C8B-B14F-4D97-AF65-F5344CB8AC3E}">
         <p14:creationId xmlns:p14="http://schemas.microsoft.com/office/powerpoint/2010/main" val="700856374"/>
+      </p:ext>
+    </p:extLst>
+  </p:cSld>
+  <p:clrMapOvr>
+    <a:masterClrMapping/>
+  </p:clrMapOvr>
+</p:sld>
+</file>
+
+<file path=ppt/slides/slide20.xml><?xml version="1.0" encoding="utf-8"?>
+<p:sld xmlns:a="http://schemas.openxmlformats.org/drawingml/2006/main" xmlns:r="http://schemas.openxmlformats.org/officeDocument/2006/relationships" xmlns:p="http://schemas.openxmlformats.org/presentationml/2006/main">
+  <p:cSld>
+    <p:spTree>
+      <p:nvGrpSpPr>
+        <p:cNvPr id="1" name=""/>
+        <p:cNvGrpSpPr/>
+        <p:nvPr/>
+      </p:nvGrpSpPr>
+      <p:grpSpPr>
+        <a:xfrm>
+          <a:off x="0" y="0"/>
+          <a:ext cx="0" cy="0"/>
+          <a:chOff x="0" y="0"/>
+          <a:chExt cx="0" cy="0"/>
+        </a:xfrm>
+      </p:grpSpPr>
+      <p:sp>
+        <p:nvSpPr>
+          <p:cNvPr id="2" name="Title 1"/>
+          <p:cNvSpPr>
+            <a:spLocks noGrp="1"/>
+          </p:cNvSpPr>
+          <p:nvPr>
+            <p:ph type="title"/>
+          </p:nvPr>
+        </p:nvSpPr>
+        <p:spPr/>
+        <p:txBody>
+          <a:bodyPr/>
+          <a:lstStyle/>
+          <a:p>
+            <a:r>
+              <a:rPr lang="en-US" dirty="0"/>
+              <a:t>Thank you</a:t>
+            </a:r>
+          </a:p>
+        </p:txBody>
+      </p:sp>
+      <p:sp>
+        <p:nvSpPr>
+          <p:cNvPr id="3" name="Content Placeholder 2"/>
+          <p:cNvSpPr>
+            <a:spLocks noGrp="1"/>
+          </p:cNvSpPr>
+          <p:nvPr>
+            <p:ph idx="1"/>
+          </p:nvPr>
+        </p:nvSpPr>
+        <p:spPr>
+          <a:xfrm>
+            <a:off x="1955363" y="4837545"/>
+            <a:ext cx="10018713" cy="1424710"/>
+          </a:xfrm>
+        </p:spPr>
+        <p:txBody>
+          <a:bodyPr/>
+          <a:lstStyle/>
+          <a:p>
+            <a:r>
+              <a:rPr lang="en-US" dirty="0"/>
+              <a:t>Recommend to read:</a:t>
+            </a:r>
+            <a:r>
+              <a:rPr lang="ru-RU" dirty="0"/>
+              <a:t> </a:t>
+            </a:r>
+            <a:r>
+              <a:rPr lang="en-US" dirty="0">
+                <a:hlinkClick r:id="rId2"/>
+              </a:rPr>
+              <a:t>https://blogs.msdn.microsoft.com/pfxteam</a:t>
+            </a:r>
+            <a:endParaRPr lang="ru-RU" dirty="0"/>
+          </a:p>
+          <a:p>
+            <a:r>
+              <a:rPr lang="fr-FR" dirty="0"/>
+              <a:t>Source code: </a:t>
+            </a:r>
+            <a:r>
+              <a:rPr lang="fr-FR" dirty="0">
+                <a:hlinkClick r:id="rId3"/>
+              </a:rPr>
+              <a:t>https://github.com/sflusov/AsyncAwaitPitfalls</a:t>
+            </a:r>
+            <a:r>
+              <a:rPr lang="ru-RU" dirty="0"/>
+              <a:t> </a:t>
+            </a:r>
+            <a:endParaRPr lang="ru-RU" dirty="0"/>
+          </a:p>
+        </p:txBody>
+      </p:sp>
+    </p:spTree>
+    <p:extLst>
+      <p:ext uri="{BB962C8B-B14F-4D97-AF65-F5344CB8AC3E}">
+        <p14:creationId xmlns:p14="http://schemas.microsoft.com/office/powerpoint/2010/main" val="295830748"/>
       </p:ext>
     </p:extLst>
   </p:cSld>
